--- a/JLR Interview Presentation.pptx
+++ b/JLR Interview Presentation.pptx
@@ -5,7 +5,7 @@
     <p:sldMasterId id="2147483648" r:id="rId4"/>
   </p:sldMasterIdLst>
   <p:notesMasterIdLst>
-    <p:notesMasterId r:id="rId11"/>
+    <p:notesMasterId r:id="rId10"/>
   </p:notesMasterIdLst>
   <p:sldIdLst>
     <p:sldId id="260" r:id="rId5"/>
@@ -13,7 +13,6 @@
     <p:sldId id="261" r:id="rId7"/>
     <p:sldId id="263" r:id="rId8"/>
     <p:sldId id="264" r:id="rId9"/>
-    <p:sldId id="265" r:id="rId10"/>
   </p:sldIdLst>
   <p:sldSz cx="12192000" cy="6858000"/>
   <p:notesSz cx="6858000" cy="9144000"/>
@@ -202,7 +201,7 @@
           <a:p>
             <a:fld id="{4B3F774C-70F7-4ED4-813C-739E51CF8487}" type="datetimeFigureOut">
               <a:rPr lang="en-US" smtClean="0"/>
-              <a:t>8/16/2023</a:t>
+              <a:t>8/17/2023</a:t>
             </a:fld>
             <a:endParaRPr lang="en-US" dirty="0"/>
           </a:p>
@@ -971,7 +970,7 @@
           <a:p>
             <a:fld id="{F9F2E34D-57B0-41D5-A7AF-DF10D1068115}" type="datetime1">
               <a:rPr lang="en-US" smtClean="0"/>
-              <a:t>8/16/2023</a:t>
+              <a:t>8/17/2023</a:t>
             </a:fld>
             <a:endParaRPr lang="en-US" dirty="0"/>
           </a:p>
@@ -1263,7 +1262,7 @@
           <a:p>
             <a:fld id="{DF6E8327-77F4-4A2B-9238-101C8E3404E4}" type="datetime1">
               <a:rPr lang="en-US" smtClean="0"/>
-              <a:t>8/16/2023</a:t>
+              <a:t>8/17/2023</a:t>
             </a:fld>
             <a:endParaRPr lang="en-US" dirty="0"/>
           </a:p>
@@ -1507,7 +1506,7 @@
           <a:p>
             <a:fld id="{5287327A-3B7B-4F18-AD00-4892CF91FF9D}" type="datetime1">
               <a:rPr lang="en-US" smtClean="0"/>
-              <a:t>8/16/2023</a:t>
+              <a:t>8/17/2023</a:t>
             </a:fld>
             <a:endParaRPr lang="en-US" dirty="0"/>
           </a:p>
@@ -2043,7 +2042,7 @@
           <a:p>
             <a:fld id="{84398241-E647-4007-AB01-BB30869910EB}" type="datetime1">
               <a:rPr lang="en-US" smtClean="0"/>
-              <a:t>8/16/2023</a:t>
+              <a:t>8/17/2023</a:t>
             </a:fld>
             <a:endParaRPr lang="en-US" dirty="0"/>
           </a:p>
@@ -2287,7 +2286,7 @@
           <a:p>
             <a:fld id="{A09F5554-C941-4C3B-A197-75ED448862A0}" type="datetime1">
               <a:rPr lang="en-US" smtClean="0"/>
-              <a:t>8/16/2023</a:t>
+              <a:t>8/17/2023</a:t>
             </a:fld>
             <a:endParaRPr lang="en-US" dirty="0"/>
           </a:p>
@@ -2815,7 +2814,7 @@
           <a:p>
             <a:fld id="{DC6B44A0-C3F8-4023-9352-7CF7C034B2C8}" type="datetime1">
               <a:rPr lang="en-US" smtClean="0"/>
-              <a:t>8/16/2023</a:t>
+              <a:t>8/17/2023</a:t>
             </a:fld>
             <a:endParaRPr lang="en-US" dirty="0"/>
           </a:p>
@@ -3108,7 +3107,7 @@
           <a:p>
             <a:fld id="{79C3DC5B-471F-47EA-B884-FE923235A560}" type="datetime1">
               <a:rPr lang="en-US" smtClean="0"/>
-              <a:t>8/16/2023</a:t>
+              <a:t>8/17/2023</a:t>
             </a:fld>
             <a:endParaRPr lang="en-US" dirty="0"/>
           </a:p>
@@ -3278,7 +3277,7 @@
           <a:p>
             <a:fld id="{03F8C408-3247-4796-93FF-B91D6887AEC0}" type="datetime1">
               <a:rPr lang="en-US" smtClean="0"/>
-              <a:t>8/16/2023</a:t>
+              <a:t>8/17/2023</a:t>
             </a:fld>
             <a:endParaRPr lang="en-US" dirty="0"/>
           </a:p>
@@ -3454,7 +3453,7 @@
           <a:p>
             <a:fld id="{BBA1D282-CC74-49F4-B876-75084EFB56F1}" type="datetime1">
               <a:rPr lang="en-US" smtClean="0"/>
-              <a:t>8/16/2023</a:t>
+              <a:t>8/17/2023</a:t>
             </a:fld>
             <a:endParaRPr lang="en-US" dirty="0"/>
           </a:p>
@@ -3620,7 +3619,7 @@
           <a:p>
             <a:fld id="{BF56EAF9-2583-4989-8D87-13F548ED6E0C}" type="datetime1">
               <a:rPr lang="en-US" smtClean="0"/>
-              <a:t>8/16/2023</a:t>
+              <a:t>8/17/2023</a:t>
             </a:fld>
             <a:endParaRPr lang="en-US" dirty="0"/>
           </a:p>
@@ -3867,7 +3866,7 @@
           <a:p>
             <a:fld id="{B70E3CFB-BB1B-4B2A-ADF6-B1A4609854C4}" type="datetime1">
               <a:rPr lang="en-US" smtClean="0"/>
-              <a:t>8/16/2023</a:t>
+              <a:t>8/17/2023</a:t>
             </a:fld>
             <a:endParaRPr lang="en-US" dirty="0"/>
           </a:p>
@@ -4160,7 +4159,7 @@
           <a:p>
             <a:fld id="{2B3AEAA8-1A97-412E-935C-2E918F139579}" type="datetime1">
               <a:rPr lang="en-US" smtClean="0"/>
-              <a:t>8/16/2023</a:t>
+              <a:t>8/17/2023</a:t>
             </a:fld>
             <a:endParaRPr lang="en-US" dirty="0"/>
           </a:p>
@@ -4598,7 +4597,7 @@
           <a:p>
             <a:fld id="{638B0DF1-CA1F-4E36-8C65-C52A9896A8FB}" type="datetime1">
               <a:rPr lang="en-US" smtClean="0"/>
-              <a:t>8/16/2023</a:t>
+              <a:t>8/17/2023</a:t>
             </a:fld>
             <a:endParaRPr lang="en-US" dirty="0"/>
           </a:p>
@@ -4712,7 +4711,7 @@
           <a:p>
             <a:fld id="{DB6173FD-197A-4AD6-8D60-38B6A76F0734}" type="datetime1">
               <a:rPr lang="en-US" smtClean="0"/>
-              <a:t>8/16/2023</a:t>
+              <a:t>8/17/2023</a:t>
             </a:fld>
             <a:endParaRPr lang="en-US" dirty="0"/>
           </a:p>
@@ -4803,7 +4802,7 @@
           <a:p>
             <a:fld id="{6BDC3949-07FA-4C7A-A990-D6D1043EED71}" type="datetime1">
               <a:rPr lang="en-US" smtClean="0"/>
-              <a:t>8/16/2023</a:t>
+              <a:t>8/17/2023</a:t>
             </a:fld>
             <a:endParaRPr lang="en-US" dirty="0"/>
           </a:p>
@@ -5082,7 +5081,7 @@
           <a:p>
             <a:fld id="{2E9E2DE8-6D13-4218-A974-D45AA7B6E4FF}" type="datetime1">
               <a:rPr lang="en-US" smtClean="0"/>
-              <a:t>8/16/2023</a:t>
+              <a:t>8/17/2023</a:t>
             </a:fld>
             <a:endParaRPr lang="en-US" dirty="0"/>
           </a:p>
@@ -5369,7 +5368,7 @@
           <a:p>
             <a:fld id="{9CDAB7D7-4BDA-4ABC-B31D-66201C69A314}" type="datetime1">
               <a:rPr lang="en-US" smtClean="0"/>
-              <a:t>8/16/2023</a:t>
+              <a:t>8/17/2023</a:t>
             </a:fld>
             <a:endParaRPr lang="en-US" dirty="0"/>
           </a:p>
@@ -5895,7 +5894,7 @@
           <a:p>
             <a:fld id="{4E3F0A0B-291C-4112-A023-023C51AB2E85}" type="datetime1">
               <a:rPr lang="en-US" smtClean="0"/>
-              <a:t>8/16/2023</a:t>
+              <a:t>8/17/2023</a:t>
             </a:fld>
             <a:endParaRPr lang="en-US" dirty="0"/>
           </a:p>
@@ -6439,7 +6438,7 @@
                 <a16:creationId xmlns:a16="http://schemas.microsoft.com/office/drawing/2014/main" id="{E5A92FE9-DB05-4D0D-AF5A-BE8664B9FFB4}"/>
               </a:ext>
               <a:ext uri="{C183D7F6-B498-43B3-948B-1728B52AA6E4}">
-                <adec:decorative xmlns:adec="http://schemas.microsoft.com/office/drawing/2017/decorative" xmlns="" val="1"/>
+                <adec:decorative xmlns="" xmlns:adec="http://schemas.microsoft.com/office/drawing/2017/decorative" val="1"/>
               </a:ext>
             </a:extLst>
           </p:cNvPr>
@@ -6499,7 +6498,7 @@
                 <a16:creationId xmlns:a16="http://schemas.microsoft.com/office/drawing/2014/main" id="{53D9B26A-5143-49A7-BA98-D871D5BD719A}"/>
               </a:ext>
               <a:ext uri="{C183D7F6-B498-43B3-948B-1728B52AA6E4}">
-                <adec:decorative xmlns:adec="http://schemas.microsoft.com/office/drawing/2017/decorative" xmlns="" val="1"/>
+                <adec:decorative xmlns="" xmlns:adec="http://schemas.microsoft.com/office/drawing/2017/decorative" val="1"/>
               </a:ext>
             </a:extLst>
           </p:cNvPr>
@@ -6530,7 +6529,7 @@
                   <a16:creationId xmlns:a16="http://schemas.microsoft.com/office/drawing/2014/main" id="{68B85E55-A2A1-4682-B891-F201358A92D5}"/>
                 </a:ext>
                 <a:ext uri="{C183D7F6-B498-43B3-948B-1728B52AA6E4}">
-                  <adec:decorative xmlns:adec="http://schemas.microsoft.com/office/drawing/2017/decorative" xmlns="" val="1"/>
+                  <adec:decorative xmlns="" xmlns:adec="http://schemas.microsoft.com/office/drawing/2017/decorative" val="1"/>
                 </a:ext>
               </a:extLst>
             </p:cNvPr>
@@ -6591,7 +6590,7 @@
                   <a16:creationId xmlns:a16="http://schemas.microsoft.com/office/drawing/2014/main" id="{45EF6EDB-9B5D-49E9-96FA-1AE08BF95E57}"/>
                 </a:ext>
                 <a:ext uri="{C183D7F6-B498-43B3-948B-1728B52AA6E4}">
-                  <adec:decorative xmlns:adec="http://schemas.microsoft.com/office/drawing/2017/decorative" xmlns="" val="1"/>
+                  <adec:decorative xmlns="" xmlns:adec="http://schemas.microsoft.com/office/drawing/2017/decorative" val="1"/>
                 </a:ext>
               </a:extLst>
             </p:cNvPr>
@@ -6655,7 +6654,7 @@
                   <a16:creationId xmlns:a16="http://schemas.microsoft.com/office/drawing/2014/main" id="{38338226-D6E2-4EEE-B271-DB4BD096DBA1}"/>
                 </a:ext>
                 <a:ext uri="{C183D7F6-B498-43B3-948B-1728B52AA6E4}">
-                  <adec:decorative xmlns:adec="http://schemas.microsoft.com/office/drawing/2017/decorative" xmlns="" val="1"/>
+                  <adec:decorative xmlns="" xmlns:adec="http://schemas.microsoft.com/office/drawing/2017/decorative" val="1"/>
                 </a:ext>
               </a:extLst>
             </p:cNvPr>
@@ -6713,7 +6712,7 @@
                   <a16:creationId xmlns:a16="http://schemas.microsoft.com/office/drawing/2014/main" id="{4878FB48-17B3-4A11-8025-DE0945CD4E71}"/>
                 </a:ext>
                 <a:ext uri="{C183D7F6-B498-43B3-948B-1728B52AA6E4}">
-                  <adec:decorative xmlns:adec="http://schemas.microsoft.com/office/drawing/2017/decorative" xmlns="" val="1"/>
+                  <adec:decorative xmlns="" xmlns:adec="http://schemas.microsoft.com/office/drawing/2017/decorative" val="1"/>
                 </a:ext>
               </a:extLst>
             </p:cNvPr>
@@ -6773,7 +6772,7 @@
                   <a16:creationId xmlns:a16="http://schemas.microsoft.com/office/drawing/2014/main" id="{4150A21C-DD6D-4D3C-9E95-7A3CA263BEB9}"/>
                 </a:ext>
                 <a:ext uri="{C183D7F6-B498-43B3-948B-1728B52AA6E4}">
-                  <adec:decorative xmlns:adec="http://schemas.microsoft.com/office/drawing/2017/decorative" xmlns="" val="1"/>
+                  <adec:decorative xmlns="" xmlns:adec="http://schemas.microsoft.com/office/drawing/2017/decorative" val="1"/>
                 </a:ext>
               </a:extLst>
             </p:cNvPr>
@@ -6839,7 +6838,7 @@
                   <a16:creationId xmlns:a16="http://schemas.microsoft.com/office/drawing/2014/main" id="{7505BF04-104D-4180-A284-42FCD6B04DD6}"/>
                 </a:ext>
                 <a:ext uri="{C183D7F6-B498-43B3-948B-1728B52AA6E4}">
-                  <adec:decorative xmlns:adec="http://schemas.microsoft.com/office/drawing/2017/decorative" xmlns="" val="1"/>
+                  <adec:decorative xmlns="" xmlns:adec="http://schemas.microsoft.com/office/drawing/2017/decorative" val="1"/>
                 </a:ext>
               </a:extLst>
             </p:cNvPr>
@@ -7066,7 +7065,7 @@
                 <a16:creationId xmlns:a16="http://schemas.microsoft.com/office/drawing/2014/main" id="{99CAC3B1-4879-424D-8F15-206277196159}"/>
               </a:ext>
               <a:ext uri="{C183D7F6-B498-43B3-948B-1728B52AA6E4}">
-                <adec:decorative xmlns:adec="http://schemas.microsoft.com/office/drawing/2017/decorative" xmlns="" val="1"/>
+                <adec:decorative xmlns="" xmlns:adec="http://schemas.microsoft.com/office/drawing/2017/decorative" val="1"/>
               </a:ext>
             </a:extLst>
           </p:cNvPr>
@@ -7126,7 +7125,7 @@
                 <a16:creationId xmlns:a16="http://schemas.microsoft.com/office/drawing/2014/main" id="{4B8492CB-DFBA-4A82-9778-F21493DA36C1}"/>
               </a:ext>
               <a:ext uri="{C183D7F6-B498-43B3-948B-1728B52AA6E4}">
-                <adec:decorative xmlns:adec="http://schemas.microsoft.com/office/drawing/2017/decorative" xmlns="" val="1"/>
+                <adec:decorative xmlns="" xmlns:adec="http://schemas.microsoft.com/office/drawing/2017/decorative" val="1"/>
               </a:ext>
             </a:extLst>
           </p:cNvPr>
@@ -7157,7 +7156,7 @@
                   <a16:creationId xmlns:a16="http://schemas.microsoft.com/office/drawing/2014/main" id="{E34CC1C8-EBDD-4AEA-83E6-B27575B62E2E}"/>
                 </a:ext>
                 <a:ext uri="{C183D7F6-B498-43B3-948B-1728B52AA6E4}">
-                  <adec:decorative xmlns:adec="http://schemas.microsoft.com/office/drawing/2017/decorative" xmlns="" val="1"/>
+                  <adec:decorative xmlns="" xmlns:adec="http://schemas.microsoft.com/office/drawing/2017/decorative" val="1"/>
                 </a:ext>
               </a:extLst>
             </p:cNvPr>
@@ -7218,7 +7217,7 @@
                   <a16:creationId xmlns:a16="http://schemas.microsoft.com/office/drawing/2014/main" id="{D6B38644-B85D-4211-9526-5B4C2A662BF7}"/>
                 </a:ext>
                 <a:ext uri="{C183D7F6-B498-43B3-948B-1728B52AA6E4}">
-                  <adec:decorative xmlns:adec="http://schemas.microsoft.com/office/drawing/2017/decorative" xmlns="" val="1"/>
+                  <adec:decorative xmlns="" xmlns:adec="http://schemas.microsoft.com/office/drawing/2017/decorative" val="1"/>
                 </a:ext>
               </a:extLst>
             </p:cNvPr>
@@ -7282,7 +7281,7 @@
                   <a16:creationId xmlns:a16="http://schemas.microsoft.com/office/drawing/2014/main" id="{8A8B2820-6B8F-4C19-BFC5-D28EE44E54CB}"/>
                 </a:ext>
                 <a:ext uri="{C183D7F6-B498-43B3-948B-1728B52AA6E4}">
-                  <adec:decorative xmlns:adec="http://schemas.microsoft.com/office/drawing/2017/decorative" xmlns="" val="1"/>
+                  <adec:decorative xmlns="" xmlns:adec="http://schemas.microsoft.com/office/drawing/2017/decorative" val="1"/>
                 </a:ext>
               </a:extLst>
             </p:cNvPr>
@@ -7340,7 +7339,7 @@
                   <a16:creationId xmlns:a16="http://schemas.microsoft.com/office/drawing/2014/main" id="{773528ED-4D37-4A77-A8CA-86B6221C5E82}"/>
                 </a:ext>
                 <a:ext uri="{C183D7F6-B498-43B3-948B-1728B52AA6E4}">
-                  <adec:decorative xmlns:adec="http://schemas.microsoft.com/office/drawing/2017/decorative" xmlns="" val="1"/>
+                  <adec:decorative xmlns="" xmlns:adec="http://schemas.microsoft.com/office/drawing/2017/decorative" val="1"/>
                 </a:ext>
               </a:extLst>
             </p:cNvPr>
@@ -7400,7 +7399,7 @@
                   <a16:creationId xmlns:a16="http://schemas.microsoft.com/office/drawing/2014/main" id="{8A58A902-E944-4399-9A93-A91A6A82B166}"/>
                 </a:ext>
                 <a:ext uri="{C183D7F6-B498-43B3-948B-1728B52AA6E4}">
-                  <adec:decorative xmlns:adec="http://schemas.microsoft.com/office/drawing/2017/decorative" xmlns="" val="1"/>
+                  <adec:decorative xmlns="" xmlns:adec="http://schemas.microsoft.com/office/drawing/2017/decorative" val="1"/>
                 </a:ext>
               </a:extLst>
             </p:cNvPr>
@@ -7466,7 +7465,7 @@
                   <a16:creationId xmlns:a16="http://schemas.microsoft.com/office/drawing/2014/main" id="{4EDB1155-2E8E-4FB8-AD42-101FE4383231}"/>
                 </a:ext>
                 <a:ext uri="{C183D7F6-B498-43B3-948B-1728B52AA6E4}">
-                  <adec:decorative xmlns:adec="http://schemas.microsoft.com/office/drawing/2017/decorative" xmlns="" val="1"/>
+                  <adec:decorative xmlns="" xmlns:adec="http://schemas.microsoft.com/office/drawing/2017/decorative" val="1"/>
                 </a:ext>
               </a:extLst>
             </p:cNvPr>
@@ -7584,56 +7583,73 @@
         </p:nvSpPr>
         <p:spPr>
           <a:xfrm>
-            <a:off x="1018190" y="2667000"/>
-            <a:ext cx="6897453" cy="2611404"/>
+            <a:off x="360000" y="1440000"/>
+            <a:ext cx="7836259" cy="2849287"/>
           </a:xfrm>
         </p:spPr>
         <p:txBody>
           <a:bodyPr anchor="t">
-            <a:normAutofit fontScale="92500" lnSpcReduction="20000"/>
+            <a:normAutofit/>
           </a:bodyPr>
           <a:lstStyle/>
           <a:p>
             <a:r>
-              <a:rPr lang="en-US" sz="1600" dirty="0" smtClean="0"/>
-              <a:t>Situation Task Action Result?</a:t>
-            </a:r>
-            <a:r>
-              <a:rPr lang="en-US" sz="1600" dirty="0"/>
-              <a:t> Development Lifecycle</a:t>
-            </a:r>
-            <a:r>
-              <a:rPr lang="en-US" sz="1600" dirty="0" smtClean="0"/>
-              <a:t>?</a:t>
-            </a:r>
-          </a:p>
-          <a:p>
-            <a:r>
-              <a:rPr lang="en-US" sz="1600" dirty="0" smtClean="0"/>
-              <a:t>Situation - Lack of business metrics, inefficient and basic reporting system integrated into the ERP. Initial question from MD was how to measure profitability of products &amp; customer categorical analysis. </a:t>
-            </a:r>
-          </a:p>
-          <a:p>
-            <a:r>
-              <a:rPr lang="en-US" sz="1600" dirty="0" smtClean="0"/>
-              <a:t>Task – Generate a method of communicating business insights to key stakeholders. </a:t>
-            </a:r>
-          </a:p>
-          <a:p>
-            <a:r>
-              <a:rPr lang="en-US" sz="1600" dirty="0" smtClean="0"/>
-              <a:t>Action – Build a PowerBI Dashboard with data connectors into our company data sources. </a:t>
-            </a:r>
-          </a:p>
-          <a:p>
-            <a:r>
-              <a:rPr lang="en-US" sz="1600" dirty="0" smtClean="0"/>
-              <a:t>Result – Business stakeholders able to adjust processes, allowing optimisation for profitability or informed targeting of marketing communications. </a:t>
-            </a:r>
-            <a:endParaRPr lang="en-US" sz="1600" dirty="0" smtClean="0"/>
-          </a:p>
-          <a:p>
-            <a:endParaRPr lang="en-US" sz="1600" dirty="0"/>
+              <a:rPr lang="en-US" sz="1800" dirty="0" smtClean="0"/>
+              <a:t>Situation </a:t>
+            </a:r>
+            <a:r>
+              <a:rPr lang="en-US" sz="1800" dirty="0" smtClean="0"/>
+              <a:t>- Lack of business </a:t>
+            </a:r>
+            <a:r>
+              <a:rPr lang="en-US" sz="1800" dirty="0" smtClean="0"/>
+              <a:t>metrics, current reporting </a:t>
+            </a:r>
+            <a:r>
+              <a:rPr lang="en-US" sz="1800" dirty="0" smtClean="0"/>
+              <a:t>system integrated into the </a:t>
+            </a:r>
+            <a:r>
+              <a:rPr lang="en-US" sz="1800" dirty="0" smtClean="0"/>
+              <a:t>ERP</a:t>
+            </a:r>
+          </a:p>
+          <a:p>
+            <a:r>
+              <a:rPr lang="en-US" sz="1800" dirty="0" smtClean="0"/>
+              <a:t>Task </a:t>
+            </a:r>
+            <a:r>
+              <a:rPr lang="en-US" sz="1800" dirty="0" smtClean="0"/>
+              <a:t>– Generate a method of communicating business insights to key </a:t>
+            </a:r>
+            <a:r>
+              <a:rPr lang="en-US" sz="1800" dirty="0" smtClean="0"/>
+              <a:t>stakeholders</a:t>
+            </a:r>
+            <a:endParaRPr lang="en-US" sz="1800" dirty="0" smtClean="0"/>
+          </a:p>
+          <a:p>
+            <a:r>
+              <a:rPr lang="en-US" sz="1800" dirty="0" smtClean="0"/>
+              <a:t>Action – Build a PowerBI Dashboard with data connectors into our company data </a:t>
+            </a:r>
+            <a:r>
+              <a:rPr lang="en-US" sz="1800" dirty="0" smtClean="0"/>
+              <a:t>sources</a:t>
+            </a:r>
+            <a:endParaRPr lang="en-US" sz="1800" dirty="0" smtClean="0"/>
+          </a:p>
+          <a:p>
+            <a:r>
+              <a:rPr lang="en-US" sz="1800" dirty="0" smtClean="0"/>
+              <a:t>Result – Business stakeholders able to adjust processes, </a:t>
+            </a:r>
+            <a:r>
+              <a:rPr lang="en-US" sz="1800" dirty="0" smtClean="0"/>
+              <a:t>allowing for more informed decision making</a:t>
+            </a:r>
+            <a:endParaRPr lang="en-US" sz="1800" dirty="0"/>
           </a:p>
         </p:txBody>
       </p:sp>
@@ -7720,7 +7736,7 @@
                 <a16:creationId xmlns:a16="http://schemas.microsoft.com/office/drawing/2014/main" id="{99CAC3B1-4879-424D-8F15-206277196159}"/>
               </a:ext>
               <a:ext uri="{C183D7F6-B498-43B3-948B-1728B52AA6E4}">
-                <adec:decorative xmlns:adec="http://schemas.microsoft.com/office/drawing/2017/decorative" xmlns="" val="1"/>
+                <adec:decorative xmlns="" xmlns:adec="http://schemas.microsoft.com/office/drawing/2017/decorative" val="1"/>
               </a:ext>
             </a:extLst>
           </p:cNvPr>
@@ -7780,7 +7796,7 @@
                 <a16:creationId xmlns:a16="http://schemas.microsoft.com/office/drawing/2014/main" id="{4B8492CB-DFBA-4A82-9778-F21493DA36C1}"/>
               </a:ext>
               <a:ext uri="{C183D7F6-B498-43B3-948B-1728B52AA6E4}">
-                <adec:decorative xmlns:adec="http://schemas.microsoft.com/office/drawing/2017/decorative" xmlns="" val="1"/>
+                <adec:decorative xmlns="" xmlns:adec="http://schemas.microsoft.com/office/drawing/2017/decorative" val="1"/>
               </a:ext>
             </a:extLst>
           </p:cNvPr>
@@ -7811,7 +7827,7 @@
                   <a16:creationId xmlns:a16="http://schemas.microsoft.com/office/drawing/2014/main" id="{E34CC1C8-EBDD-4AEA-83E6-B27575B62E2E}"/>
                 </a:ext>
                 <a:ext uri="{C183D7F6-B498-43B3-948B-1728B52AA6E4}">
-                  <adec:decorative xmlns:adec="http://schemas.microsoft.com/office/drawing/2017/decorative" xmlns="" val="1"/>
+                  <adec:decorative xmlns="" xmlns:adec="http://schemas.microsoft.com/office/drawing/2017/decorative" val="1"/>
                 </a:ext>
               </a:extLst>
             </p:cNvPr>
@@ -7872,7 +7888,7 @@
                   <a16:creationId xmlns:a16="http://schemas.microsoft.com/office/drawing/2014/main" id="{D6B38644-B85D-4211-9526-5B4C2A662BF7}"/>
                 </a:ext>
                 <a:ext uri="{C183D7F6-B498-43B3-948B-1728B52AA6E4}">
-                  <adec:decorative xmlns:adec="http://schemas.microsoft.com/office/drawing/2017/decorative" xmlns="" val="1"/>
+                  <adec:decorative xmlns="" xmlns:adec="http://schemas.microsoft.com/office/drawing/2017/decorative" val="1"/>
                 </a:ext>
               </a:extLst>
             </p:cNvPr>
@@ -7936,7 +7952,7 @@
                   <a16:creationId xmlns:a16="http://schemas.microsoft.com/office/drawing/2014/main" id="{8A8B2820-6B8F-4C19-BFC5-D28EE44E54CB}"/>
                 </a:ext>
                 <a:ext uri="{C183D7F6-B498-43B3-948B-1728B52AA6E4}">
-                  <adec:decorative xmlns:adec="http://schemas.microsoft.com/office/drawing/2017/decorative" xmlns="" val="1"/>
+                  <adec:decorative xmlns="" xmlns:adec="http://schemas.microsoft.com/office/drawing/2017/decorative" val="1"/>
                 </a:ext>
               </a:extLst>
             </p:cNvPr>
@@ -7994,7 +8010,7 @@
                   <a16:creationId xmlns:a16="http://schemas.microsoft.com/office/drawing/2014/main" id="{773528ED-4D37-4A77-A8CA-86B6221C5E82}"/>
                 </a:ext>
                 <a:ext uri="{C183D7F6-B498-43B3-948B-1728B52AA6E4}">
-                  <adec:decorative xmlns:adec="http://schemas.microsoft.com/office/drawing/2017/decorative" xmlns="" val="1"/>
+                  <adec:decorative xmlns="" xmlns:adec="http://schemas.microsoft.com/office/drawing/2017/decorative" val="1"/>
                 </a:ext>
               </a:extLst>
             </p:cNvPr>
@@ -8054,7 +8070,7 @@
                   <a16:creationId xmlns:a16="http://schemas.microsoft.com/office/drawing/2014/main" id="{8A58A902-E944-4399-9A93-A91A6A82B166}"/>
                 </a:ext>
                 <a:ext uri="{C183D7F6-B498-43B3-948B-1728B52AA6E4}">
-                  <adec:decorative xmlns:adec="http://schemas.microsoft.com/office/drawing/2017/decorative" xmlns="" val="1"/>
+                  <adec:decorative xmlns="" xmlns:adec="http://schemas.microsoft.com/office/drawing/2017/decorative" val="1"/>
                 </a:ext>
               </a:extLst>
             </p:cNvPr>
@@ -8120,7 +8136,7 @@
                   <a16:creationId xmlns:a16="http://schemas.microsoft.com/office/drawing/2014/main" id="{4EDB1155-2E8E-4FB8-AD42-101FE4383231}"/>
                 </a:ext>
                 <a:ext uri="{C183D7F6-B498-43B3-948B-1728B52AA6E4}">
-                  <adec:decorative xmlns:adec="http://schemas.microsoft.com/office/drawing/2017/decorative" xmlns="" val="1"/>
+                  <adec:decorative xmlns="" xmlns:adec="http://schemas.microsoft.com/office/drawing/2017/decorative" val="1"/>
                 </a:ext>
               </a:extLst>
             </p:cNvPr>
@@ -8238,52 +8254,112 @@
         </p:nvSpPr>
         <p:spPr>
           <a:xfrm>
-            <a:off x="1065284" y="2318557"/>
-            <a:ext cx="7243603" cy="2719193"/>
+            <a:off x="359999" y="1440000"/>
+            <a:ext cx="8872349" cy="4554400"/>
           </a:xfrm>
         </p:spPr>
         <p:txBody>
           <a:bodyPr anchor="t">
-            <a:normAutofit fontScale="77500" lnSpcReduction="20000"/>
+            <a:noAutofit/>
           </a:bodyPr>
           <a:lstStyle/>
           <a:p>
             <a:r>
-              <a:rPr lang="en-US" sz="1800" dirty="0" smtClean="0"/>
-              <a:t>Development of an efficient Datamodel using Star/Snowflake schema. Using query folding to optimize CPU/Memory load by pushing the computation back to the source, allowing for fast, efficient queries.  </a:t>
-            </a:r>
-          </a:p>
-          <a:p>
-            <a:r>
-              <a:rPr lang="en-US" sz="1800" dirty="0" smtClean="0"/>
-              <a:t>Use of different connectors such as ODBC to access company data, perform several standard tasks such as SQL joins, filters, custom columns. </a:t>
-            </a:r>
-          </a:p>
-          <a:p>
-            <a:r>
-              <a:rPr lang="en-US" sz="1800" dirty="0" smtClean="0"/>
-              <a:t>Design of measures and calculations to finalise data model, including calculations such as margin, margin% and various time intelligence measures such as MTD, YTD, YOY, YOY%</a:t>
-            </a:r>
-          </a:p>
-          <a:p>
-            <a:r>
-              <a:rPr lang="en-US" sz="1800" dirty="0" smtClean="0"/>
-              <a:t>Construction of visuals, graphs, matricies etc. to which the end user can apply filter context. </a:t>
-            </a:r>
-          </a:p>
-          <a:p>
-            <a:r>
-              <a:rPr lang="en-US" sz="1800" dirty="0" smtClean="0"/>
-              <a:t>Configuration of cloud gateway to allow access to our on-premises data sources, enabling distribution &amp; report refresh through the PowerBI Service.  </a:t>
-            </a:r>
-            <a:endParaRPr lang="en-US" sz="1800" dirty="0"/>
-          </a:p>
-          <a:p>
-            <a:r>
-              <a:rPr lang="en-US" sz="1800" dirty="0" smtClean="0"/>
-              <a:t>Continual design of reports, fine tuning of existing reports. </a:t>
-            </a:r>
-            <a:endParaRPr lang="en-US" sz="1800" dirty="0"/>
+              <a:rPr lang="en-US" sz="1600" dirty="0" smtClean="0"/>
+              <a:t>Understand the task thoroughly, what is required as an outcome, what inputs will we need to get there, how will we achieve our goal </a:t>
+            </a:r>
+          </a:p>
+          <a:p>
+            <a:r>
+              <a:rPr lang="en-US" sz="1600" dirty="0" smtClean="0"/>
+              <a:t>Development </a:t>
+            </a:r>
+            <a:r>
+              <a:rPr lang="en-US" sz="1600" dirty="0" smtClean="0"/>
+              <a:t>of an efficient Datamodel using Star/Snowflake </a:t>
+            </a:r>
+            <a:r>
+              <a:rPr lang="en-US" sz="1600" dirty="0" smtClean="0"/>
+              <a:t>schema</a:t>
+            </a:r>
+            <a:endParaRPr lang="en-US" sz="1600" dirty="0"/>
+          </a:p>
+          <a:p>
+            <a:r>
+              <a:rPr lang="en-US" sz="1600" dirty="0" smtClean="0"/>
+              <a:t>Use </a:t>
+            </a:r>
+            <a:r>
+              <a:rPr lang="en-US" sz="1600" dirty="0" smtClean="0"/>
+              <a:t>of different connectors such as ODBC to access company data, </a:t>
+            </a:r>
+            <a:r>
+              <a:rPr lang="en-US" sz="1600" dirty="0" smtClean="0"/>
+              <a:t>prepare and format this data to allow for efficient computation</a:t>
+            </a:r>
+            <a:endParaRPr lang="en-US" sz="1600" dirty="0" smtClean="0"/>
+          </a:p>
+          <a:p>
+            <a:r>
+              <a:rPr lang="en-US" sz="1600" dirty="0" smtClean="0"/>
+              <a:t>Design of measures and calculations to finalise data </a:t>
+            </a:r>
+            <a:r>
+              <a:rPr lang="en-US" sz="1600" dirty="0" smtClean="0"/>
+              <a:t>model</a:t>
+            </a:r>
+          </a:p>
+          <a:p>
+            <a:r>
+              <a:rPr lang="en-US" sz="1600" dirty="0" smtClean="0"/>
+              <a:t>Testing and optimizing model using external tools (Tabular Editor, DAX Studio)</a:t>
+            </a:r>
+            <a:endParaRPr lang="en-US" sz="1600" dirty="0" smtClean="0"/>
+          </a:p>
+          <a:p>
+            <a:r>
+              <a:rPr lang="en-US" sz="1600" dirty="0" smtClean="0"/>
+              <a:t>Construction </a:t>
+            </a:r>
+            <a:r>
+              <a:rPr lang="en-US" sz="1600" dirty="0" smtClean="0"/>
+              <a:t>of visuals, graphs, matricies etc. to which the end user can apply filter </a:t>
+            </a:r>
+            <a:r>
+              <a:rPr lang="en-US" sz="1600" dirty="0" smtClean="0"/>
+              <a:t>context </a:t>
+            </a:r>
+            <a:endParaRPr lang="en-US" sz="1600" dirty="0" smtClean="0"/>
+          </a:p>
+          <a:p>
+            <a:r>
+              <a:rPr lang="en-US" sz="1600" dirty="0" smtClean="0"/>
+              <a:t>Configuration of cloud gateway to allow access to our on-premises data sources, enabling distribution &amp; report refresh through the PowerBI </a:t>
+            </a:r>
+            <a:r>
+              <a:rPr lang="en-US" sz="1600" dirty="0" smtClean="0"/>
+              <a:t>Service  </a:t>
+            </a:r>
+            <a:endParaRPr lang="en-US" sz="1600" dirty="0"/>
+          </a:p>
+          <a:p>
+            <a:r>
+              <a:rPr lang="en-US" sz="1600" dirty="0" smtClean="0"/>
+              <a:t>Feedback from stakeholders, </a:t>
+            </a:r>
+            <a:r>
+              <a:rPr lang="en-US" sz="1600" dirty="0" smtClean="0"/>
+              <a:t>fine tuning of existing </a:t>
+            </a:r>
+            <a:r>
+              <a:rPr lang="en-US" sz="1600" dirty="0" smtClean="0"/>
+              <a:t>reports</a:t>
+            </a:r>
+            <a:r>
+              <a:rPr lang="en-US" sz="1600" dirty="0" smtClean="0"/>
+              <a:t>, addition of extra reports</a:t>
+            </a:r>
+            <a:endParaRPr lang="en-US" sz="1600" dirty="0"/>
           </a:p>
         </p:txBody>
       </p:sp>
@@ -8370,7 +8446,7 @@
                 <a16:creationId xmlns:a16="http://schemas.microsoft.com/office/drawing/2014/main" id="{99CAC3B1-4879-424D-8F15-206277196159}"/>
               </a:ext>
               <a:ext uri="{C183D7F6-B498-43B3-948B-1728B52AA6E4}">
-                <adec:decorative xmlns:adec="http://schemas.microsoft.com/office/drawing/2017/decorative" xmlns="" val="1"/>
+                <adec:decorative xmlns="" xmlns:adec="http://schemas.microsoft.com/office/drawing/2017/decorative" val="1"/>
               </a:ext>
             </a:extLst>
           </p:cNvPr>
@@ -8430,7 +8506,7 @@
                 <a16:creationId xmlns:a16="http://schemas.microsoft.com/office/drawing/2014/main" id="{4B8492CB-DFBA-4A82-9778-F21493DA36C1}"/>
               </a:ext>
               <a:ext uri="{C183D7F6-B498-43B3-948B-1728B52AA6E4}">
-                <adec:decorative xmlns:adec="http://schemas.microsoft.com/office/drawing/2017/decorative" xmlns="" val="1"/>
+                <adec:decorative xmlns="" xmlns:adec="http://schemas.microsoft.com/office/drawing/2017/decorative" val="1"/>
               </a:ext>
             </a:extLst>
           </p:cNvPr>
@@ -8461,7 +8537,7 @@
                   <a16:creationId xmlns:a16="http://schemas.microsoft.com/office/drawing/2014/main" id="{E34CC1C8-EBDD-4AEA-83E6-B27575B62E2E}"/>
                 </a:ext>
                 <a:ext uri="{C183D7F6-B498-43B3-948B-1728B52AA6E4}">
-                  <adec:decorative xmlns:adec="http://schemas.microsoft.com/office/drawing/2017/decorative" xmlns="" val="1"/>
+                  <adec:decorative xmlns="" xmlns:adec="http://schemas.microsoft.com/office/drawing/2017/decorative" val="1"/>
                 </a:ext>
               </a:extLst>
             </p:cNvPr>
@@ -8522,7 +8598,7 @@
                   <a16:creationId xmlns:a16="http://schemas.microsoft.com/office/drawing/2014/main" id="{D6B38644-B85D-4211-9526-5B4C2A662BF7}"/>
                 </a:ext>
                 <a:ext uri="{C183D7F6-B498-43B3-948B-1728B52AA6E4}">
-                  <adec:decorative xmlns:adec="http://schemas.microsoft.com/office/drawing/2017/decorative" xmlns="" val="1"/>
+                  <adec:decorative xmlns="" xmlns:adec="http://schemas.microsoft.com/office/drawing/2017/decorative" val="1"/>
                 </a:ext>
               </a:extLst>
             </p:cNvPr>
@@ -8586,7 +8662,7 @@
                   <a16:creationId xmlns:a16="http://schemas.microsoft.com/office/drawing/2014/main" id="{8A8B2820-6B8F-4C19-BFC5-D28EE44E54CB}"/>
                 </a:ext>
                 <a:ext uri="{C183D7F6-B498-43B3-948B-1728B52AA6E4}">
-                  <adec:decorative xmlns:adec="http://schemas.microsoft.com/office/drawing/2017/decorative" xmlns="" val="1"/>
+                  <adec:decorative xmlns="" xmlns:adec="http://schemas.microsoft.com/office/drawing/2017/decorative" val="1"/>
                 </a:ext>
               </a:extLst>
             </p:cNvPr>
@@ -8644,7 +8720,7 @@
                   <a16:creationId xmlns:a16="http://schemas.microsoft.com/office/drawing/2014/main" id="{773528ED-4D37-4A77-A8CA-86B6221C5E82}"/>
                 </a:ext>
                 <a:ext uri="{C183D7F6-B498-43B3-948B-1728B52AA6E4}">
-                  <adec:decorative xmlns:adec="http://schemas.microsoft.com/office/drawing/2017/decorative" xmlns="" val="1"/>
+                  <adec:decorative xmlns="" xmlns:adec="http://schemas.microsoft.com/office/drawing/2017/decorative" val="1"/>
                 </a:ext>
               </a:extLst>
             </p:cNvPr>
@@ -8704,7 +8780,7 @@
                   <a16:creationId xmlns:a16="http://schemas.microsoft.com/office/drawing/2014/main" id="{8A58A902-E944-4399-9A93-A91A6A82B166}"/>
                 </a:ext>
                 <a:ext uri="{C183D7F6-B498-43B3-948B-1728B52AA6E4}">
-                  <adec:decorative xmlns:adec="http://schemas.microsoft.com/office/drawing/2017/decorative" xmlns="" val="1"/>
+                  <adec:decorative xmlns="" xmlns:adec="http://schemas.microsoft.com/office/drawing/2017/decorative" val="1"/>
                 </a:ext>
               </a:extLst>
             </p:cNvPr>
@@ -8770,7 +8846,7 @@
                   <a16:creationId xmlns:a16="http://schemas.microsoft.com/office/drawing/2014/main" id="{4EDB1155-2E8E-4FB8-AD42-101FE4383231}"/>
                 </a:ext>
                 <a:ext uri="{C183D7F6-B498-43B3-948B-1728B52AA6E4}">
-                  <adec:decorative xmlns:adec="http://schemas.microsoft.com/office/drawing/2017/decorative" xmlns="" val="1"/>
+                  <adec:decorative xmlns="" xmlns:adec="http://schemas.microsoft.com/office/drawing/2017/decorative" val="1"/>
                 </a:ext>
               </a:extLst>
             </p:cNvPr>
@@ -8888,7 +8964,7 @@
         </p:nvSpPr>
         <p:spPr>
           <a:xfrm>
-            <a:off x="1065284" y="2318557"/>
+            <a:off x="360000" y="1440000"/>
             <a:ext cx="9368594" cy="4117582"/>
           </a:xfrm>
         </p:spPr>
@@ -8900,13 +8976,8 @@
           <a:p>
             <a:r>
               <a:rPr lang="en-US" sz="1800" dirty="0" smtClean="0"/>
-              <a:t>Comprehensive understanding of data modelling, dimension/fact tables, Star/Snowflake Schema, RDBMS</a:t>
-            </a:r>
-            <a:r>
-              <a:rPr lang="en-US" sz="1800" dirty="0" smtClean="0"/>
-              <a:t> </a:t>
-            </a:r>
-            <a:endParaRPr lang="en-US" sz="1800" dirty="0" smtClean="0"/>
+              <a:t>Comprehensive understanding of data modelling, dimension/fact tables, Star/Snowflake Schema, RDBMS </a:t>
+            </a:r>
           </a:p>
           <a:p>
             <a:r>
@@ -8929,14 +9000,31 @@
           <a:p>
             <a:r>
               <a:rPr lang="en-US" sz="1800" dirty="0" smtClean="0"/>
-              <a:t>Data visualization, calculations/measures</a:t>
-            </a:r>
-          </a:p>
-          <a:p>
+              <a:t>Data visualization, </a:t>
+            </a:r>
             <a:r>
               <a:rPr lang="en-US" sz="1800" dirty="0" smtClean="0"/>
-              <a:t>The ability to take something complex and refine it</a:t>
-            </a:r>
+              <a:t>calculations/measures, DAX/MDX queries</a:t>
+            </a:r>
+            <a:endParaRPr lang="en-US" sz="1800" dirty="0" smtClean="0"/>
+          </a:p>
+          <a:p>
+            <a:r>
+              <a:rPr lang="en-US" sz="1800" dirty="0" smtClean="0"/>
+              <a:t>The ability to take something complex and refine </a:t>
+            </a:r>
+            <a:r>
+              <a:rPr lang="en-US" sz="1800" dirty="0" smtClean="0"/>
+              <a:t>it</a:t>
+            </a:r>
+          </a:p>
+          <a:p>
+            <a:r>
+              <a:rPr lang="en-US" sz="1800" dirty="0" smtClean="0"/>
+              <a:t>Amongst others….</a:t>
+            </a:r>
+          </a:p>
+          <a:p>
             <a:endParaRPr lang="en-US" sz="1800" dirty="0"/>
           </a:p>
         </p:txBody>
@@ -9024,7 +9112,7 @@
                 <a16:creationId xmlns:a16="http://schemas.microsoft.com/office/drawing/2014/main" id="{99CAC3B1-4879-424D-8F15-206277196159}"/>
               </a:ext>
               <a:ext uri="{C183D7F6-B498-43B3-948B-1728B52AA6E4}">
-                <adec:decorative xmlns:adec="http://schemas.microsoft.com/office/drawing/2017/decorative" xmlns="" val="1"/>
+                <adec:decorative xmlns="" xmlns:adec="http://schemas.microsoft.com/office/drawing/2017/decorative" val="1"/>
               </a:ext>
             </a:extLst>
           </p:cNvPr>
@@ -9084,7 +9172,7 @@
                 <a16:creationId xmlns:a16="http://schemas.microsoft.com/office/drawing/2014/main" id="{4B8492CB-DFBA-4A82-9778-F21493DA36C1}"/>
               </a:ext>
               <a:ext uri="{C183D7F6-B498-43B3-948B-1728B52AA6E4}">
-                <adec:decorative xmlns:adec="http://schemas.microsoft.com/office/drawing/2017/decorative" xmlns="" val="1"/>
+                <adec:decorative xmlns="" xmlns:adec="http://schemas.microsoft.com/office/drawing/2017/decorative" val="1"/>
               </a:ext>
             </a:extLst>
           </p:cNvPr>
@@ -9115,7 +9203,7 @@
                   <a16:creationId xmlns:a16="http://schemas.microsoft.com/office/drawing/2014/main" id="{E34CC1C8-EBDD-4AEA-83E6-B27575B62E2E}"/>
                 </a:ext>
                 <a:ext uri="{C183D7F6-B498-43B3-948B-1728B52AA6E4}">
-                  <adec:decorative xmlns:adec="http://schemas.microsoft.com/office/drawing/2017/decorative" xmlns="" val="1"/>
+                  <adec:decorative xmlns="" xmlns:adec="http://schemas.microsoft.com/office/drawing/2017/decorative" val="1"/>
                 </a:ext>
               </a:extLst>
             </p:cNvPr>
@@ -9176,7 +9264,7 @@
                   <a16:creationId xmlns:a16="http://schemas.microsoft.com/office/drawing/2014/main" id="{D6B38644-B85D-4211-9526-5B4C2A662BF7}"/>
                 </a:ext>
                 <a:ext uri="{C183D7F6-B498-43B3-948B-1728B52AA6E4}">
-                  <adec:decorative xmlns:adec="http://schemas.microsoft.com/office/drawing/2017/decorative" xmlns="" val="1"/>
+                  <adec:decorative xmlns="" xmlns:adec="http://schemas.microsoft.com/office/drawing/2017/decorative" val="1"/>
                 </a:ext>
               </a:extLst>
             </p:cNvPr>
@@ -9240,7 +9328,7 @@
                   <a16:creationId xmlns:a16="http://schemas.microsoft.com/office/drawing/2014/main" id="{8A8B2820-6B8F-4C19-BFC5-D28EE44E54CB}"/>
                 </a:ext>
                 <a:ext uri="{C183D7F6-B498-43B3-948B-1728B52AA6E4}">
-                  <adec:decorative xmlns:adec="http://schemas.microsoft.com/office/drawing/2017/decorative" xmlns="" val="1"/>
+                  <adec:decorative xmlns="" xmlns:adec="http://schemas.microsoft.com/office/drawing/2017/decorative" val="1"/>
                 </a:ext>
               </a:extLst>
             </p:cNvPr>
@@ -9298,7 +9386,7 @@
                   <a16:creationId xmlns:a16="http://schemas.microsoft.com/office/drawing/2014/main" id="{773528ED-4D37-4A77-A8CA-86B6221C5E82}"/>
                 </a:ext>
                 <a:ext uri="{C183D7F6-B498-43B3-948B-1728B52AA6E4}">
-                  <adec:decorative xmlns:adec="http://schemas.microsoft.com/office/drawing/2017/decorative" xmlns="" val="1"/>
+                  <adec:decorative xmlns="" xmlns:adec="http://schemas.microsoft.com/office/drawing/2017/decorative" val="1"/>
                 </a:ext>
               </a:extLst>
             </p:cNvPr>
@@ -9358,7 +9446,7 @@
                   <a16:creationId xmlns:a16="http://schemas.microsoft.com/office/drawing/2014/main" id="{8A58A902-E944-4399-9A93-A91A6A82B166}"/>
                 </a:ext>
                 <a:ext uri="{C183D7F6-B498-43B3-948B-1728B52AA6E4}">
-                  <adec:decorative xmlns:adec="http://schemas.microsoft.com/office/drawing/2017/decorative" xmlns="" val="1"/>
+                  <adec:decorative xmlns="" xmlns:adec="http://schemas.microsoft.com/office/drawing/2017/decorative" val="1"/>
                 </a:ext>
               </a:extLst>
             </p:cNvPr>
@@ -9424,7 +9512,7 @@
                   <a16:creationId xmlns:a16="http://schemas.microsoft.com/office/drawing/2014/main" id="{4EDB1155-2E8E-4FB8-AD42-101FE4383231}"/>
                 </a:ext>
                 <a:ext uri="{C183D7F6-B498-43B3-948B-1728B52AA6E4}">
-                  <adec:decorative xmlns:adec="http://schemas.microsoft.com/office/drawing/2017/decorative" xmlns="" val="1"/>
+                  <adec:decorative xmlns="" xmlns:adec="http://schemas.microsoft.com/office/drawing/2017/decorative" val="1"/>
                 </a:ext>
               </a:extLst>
             </p:cNvPr>
@@ -9518,53 +9606,9 @@
             <a:pPr algn="l"/>
             <a:r>
               <a:rPr lang="en-US" dirty="0" smtClean="0"/>
-              <a:t>Application of Learned Skills</a:t>
+              <a:t>Conclusion</a:t>
             </a:r>
             <a:endParaRPr lang="en-US" dirty="0"/>
-          </a:p>
-        </p:txBody>
-      </p:sp>
-      <p:sp>
-        <p:nvSpPr>
-          <p:cNvPr id="3" name="Content Placeholder 2">
-            <a:extLst>
-              <a:ext uri="{FF2B5EF4-FFF2-40B4-BE49-F238E27FC236}">
-                <a16:creationId xmlns:a16="http://schemas.microsoft.com/office/drawing/2014/main" id="{60DFF4FA-F598-4962-B6AB-31A8BE724E52}"/>
-              </a:ext>
-            </a:extLst>
-          </p:cNvPr>
-          <p:cNvSpPr>
-            <a:spLocks noGrp="1"/>
-          </p:cNvSpPr>
-          <p:nvPr>
-            <p:ph idx="1"/>
-          </p:nvPr>
-        </p:nvSpPr>
-        <p:spPr>
-          <a:xfrm>
-            <a:off x="1065284" y="2318557"/>
-            <a:ext cx="7243603" cy="2719193"/>
-          </a:xfrm>
-        </p:spPr>
-        <p:txBody>
-          <a:bodyPr anchor="t">
-            <a:normAutofit/>
-          </a:bodyPr>
-          <a:lstStyle/>
-          <a:p>
-            <a:r>
-              <a:rPr lang="en-US" sz="1800" dirty="0" smtClean="0"/>
-              <a:t>Confluence of multiple data streams such as from API or cloud services into a single data model for analysis, bringing together .</a:t>
-            </a:r>
-            <a:r>
-              <a:rPr lang="en-US" sz="1800" dirty="0" err="1" smtClean="0"/>
-              <a:t>json</a:t>
-            </a:r>
-            <a:r>
-              <a:rPr lang="en-US" sz="1800" dirty="0" smtClean="0"/>
-              <a:t> data from a CRM API extracted via python, data from a MS Access Database, </a:t>
-            </a:r>
-            <a:endParaRPr lang="en-US" sz="1800" dirty="0"/>
           </a:p>
         </p:txBody>
       </p:sp>
@@ -9598,702 +9642,299 @@
           </a:prstGeom>
         </p:spPr>
       </p:pic>
-    </p:spTree>
-    <p:extLst>
-      <p:ext uri="{BB962C8B-B14F-4D97-AF65-F5344CB8AC3E}">
-        <p14:creationId xmlns:p14="http://schemas.microsoft.com/office/powerpoint/2010/main" val="1684457229"/>
-      </p:ext>
-    </p:extLst>
-  </p:cSld>
-  <p:clrMapOvr>
-    <a:overrideClrMapping bg1="dk1" tx1="lt1" bg2="dk2" tx2="lt2" accent1="accent1" accent2="accent2" accent3="accent3" accent4="accent4" accent5="accent5" accent6="accent6" hlink="hlink" folHlink="folHlink"/>
-  </p:clrMapOvr>
-  <p:timing>
-    <p:tnLst>
-      <p:par>
-        <p:cTn id="1" dur="indefinite" restart="never" nodeType="tmRoot"/>
-      </p:par>
-    </p:tnLst>
-  </p:timing>
-</p:sld>
-</file>
-
-<file path=ppt/slides/slide6.xml><?xml version="1.0" encoding="utf-8"?>
-<p:sld xmlns:a="http://schemas.openxmlformats.org/drawingml/2006/main" xmlns:r="http://schemas.openxmlformats.org/officeDocument/2006/relationships" xmlns:p="http://schemas.openxmlformats.org/presentationml/2006/main">
-  <p:cSld>
-    <p:bg>
-      <p:bgPr>
-        <a:solidFill>
-          <a:schemeClr val="bg2"/>
-        </a:solidFill>
-        <a:effectLst/>
-      </p:bgPr>
-    </p:bg>
-    <p:spTree>
-      <p:nvGrpSpPr>
-        <p:cNvPr id="1" name=""/>
-        <p:cNvGrpSpPr/>
-        <p:nvPr/>
-      </p:nvGrpSpPr>
-      <p:grpSpPr>
-        <a:xfrm>
-          <a:off x="0" y="0"/>
-          <a:ext cx="0" cy="0"/>
-          <a:chOff x="0" y="0"/>
-          <a:chExt cx="0" cy="0"/>
-        </a:xfrm>
-      </p:grpSpPr>
-      <p:sp useBgFill="1">
-        <p:nvSpPr>
-          <p:cNvPr id="21" name="Rectangle 20">
-            <a:extLst>
-              <a:ext uri="{FF2B5EF4-FFF2-40B4-BE49-F238E27FC236}">
-                <a16:creationId xmlns:a16="http://schemas.microsoft.com/office/drawing/2014/main" id="{99CAC3B1-4879-424D-8F15-206277196159}"/>
-              </a:ext>
-              <a:ext uri="{C183D7F6-B498-43B3-948B-1728B52AA6E4}">
-                <adec:decorative xmlns:adec="http://schemas.microsoft.com/office/drawing/2017/decorative" xmlns="" val="1"/>
-              </a:ext>
-            </a:extLst>
-          </p:cNvPr>
-          <p:cNvSpPr>
-            <a:spLocks noGrp="1" noRot="1" noChangeAspect="1" noMove="1" noResize="1" noEditPoints="1" noAdjustHandles="1" noChangeArrowheads="1" noChangeShapeType="1" noTextEdit="1"/>
-          </p:cNvSpPr>
-          <p:nvPr>
-            <p:extLst>
-              <p:ext uri="{386F3935-93C4-4BCD-93E2-E3B085C9AB24}">
-                <p16:designElem xmlns:p16="http://schemas.microsoft.com/office/powerpoint/2015/main" val="1"/>
-              </p:ext>
-            </p:extLst>
-          </p:nvPr>
-        </p:nvSpPr>
-        <p:spPr>
-          <a:xfrm>
-            <a:off x="0" y="0"/>
-            <a:ext cx="12192000" cy="6858000"/>
-          </a:xfrm>
-          <a:prstGeom prst="rect">
-            <a:avLst/>
-          </a:prstGeom>
-          <a:ln>
-            <a:noFill/>
-          </a:ln>
-        </p:spPr>
-        <p:style>
-          <a:lnRef idx="2">
-            <a:schemeClr val="accent1">
-              <a:shade val="50000"/>
-            </a:schemeClr>
-          </a:lnRef>
-          <a:fillRef idx="1">
-            <a:schemeClr val="accent1"/>
-          </a:fillRef>
-          <a:effectRef idx="0">
-            <a:schemeClr val="accent1"/>
-          </a:effectRef>
-          <a:fontRef idx="minor">
-            <a:schemeClr val="lt1"/>
-          </a:fontRef>
-        </p:style>
-        <p:txBody>
-          <a:bodyPr rtlCol="0" anchor="ctr"/>
-          <a:lstStyle/>
-          <a:p>
-            <a:pPr algn="ctr"/>
-            <a:endParaRPr lang="en-US" dirty="0"/>
-          </a:p>
-        </p:txBody>
-      </p:sp>
-      <p:grpSp>
-        <p:nvGrpSpPr>
-          <p:cNvPr id="23" name="Group 22">
-            <a:extLst>
-              <a:ext uri="{FF2B5EF4-FFF2-40B4-BE49-F238E27FC236}">
-                <a16:creationId xmlns:a16="http://schemas.microsoft.com/office/drawing/2014/main" id="{4B8492CB-DFBA-4A82-9778-F21493DA36C1}"/>
-              </a:ext>
-              <a:ext uri="{C183D7F6-B498-43B3-948B-1728B52AA6E4}">
-                <adec:decorative xmlns:adec="http://schemas.microsoft.com/office/drawing/2017/decorative" xmlns="" val="1"/>
-              </a:ext>
-            </a:extLst>
-          </p:cNvPr>
-          <p:cNvGrpSpPr>
-            <a:grpSpLocks noGrp="1" noUngrp="1" noRot="1" noChangeAspect="1" noMove="1" noResize="1"/>
-          </p:cNvGrpSpPr>
-          <p:nvPr>
-            <p:extLst>
-              <p:ext uri="{386F3935-93C4-4BCD-93E2-E3B085C9AB24}">
-                <p16:designElem xmlns:p16="http://schemas.microsoft.com/office/powerpoint/2015/main" val="1"/>
-              </p:ext>
-            </p:extLst>
-          </p:nvPr>
-        </p:nvGrpSpPr>
-        <p:grpSpPr>
-          <a:xfrm flipH="1">
-            <a:off x="6526211" y="0"/>
-            <a:ext cx="5014912" cy="6862763"/>
-            <a:chOff x="2928938" y="-4763"/>
-            <a:chExt cx="5014912" cy="6862763"/>
-          </a:xfrm>
-        </p:grpSpPr>
-        <p:sp>
-          <p:nvSpPr>
-            <p:cNvPr id="24" name="Freeform 6">
-              <a:extLst>
-                <a:ext uri="{FF2B5EF4-FFF2-40B4-BE49-F238E27FC236}">
-                  <a16:creationId xmlns:a16="http://schemas.microsoft.com/office/drawing/2014/main" id="{E34CC1C8-EBDD-4AEA-83E6-B27575B62E2E}"/>
-                </a:ext>
-                <a:ext uri="{C183D7F6-B498-43B3-948B-1728B52AA6E4}">
-                  <adec:decorative xmlns:adec="http://schemas.microsoft.com/office/drawing/2017/decorative" xmlns="" val="1"/>
-                </a:ext>
-              </a:extLst>
-            </p:cNvPr>
-            <p:cNvSpPr/>
-            <p:nvPr>
-              <p:extLst>
-                <p:ext uri="{386F3935-93C4-4BCD-93E2-E3B085C9AB24}">
-                  <p16:designElem xmlns:p16="http://schemas.microsoft.com/office/powerpoint/2015/main" val="1"/>
-                </p:ext>
-              </p:extLst>
-            </p:nvPr>
-          </p:nvSpPr>
-          <p:spPr bwMode="auto">
-            <a:xfrm>
-              <a:off x="3367088" y="-4763"/>
-              <a:ext cx="1063625" cy="2782888"/>
-            </a:xfrm>
-            <a:custGeom>
-              <a:avLst/>
-              <a:gdLst/>
-              <a:ahLst/>
-              <a:cxnLst/>
-              <a:rect l="0" t="0" r="r" b="b"/>
-              <a:pathLst>
-                <a:path w="670" h="1753">
-                  <a:moveTo>
-                    <a:pt x="0" y="1696"/>
-                  </a:moveTo>
-                  <a:lnTo>
-                    <a:pt x="225" y="1753"/>
-                  </a:lnTo>
-                  <a:lnTo>
-                    <a:pt x="670" y="0"/>
-                  </a:lnTo>
-                  <a:lnTo>
-                    <a:pt x="430" y="0"/>
-                  </a:lnTo>
-                  <a:lnTo>
-                    <a:pt x="0" y="1696"/>
-                  </a:lnTo>
-                  <a:close/>
-                </a:path>
-              </a:pathLst>
-            </a:custGeom>
-            <a:solidFill>
-              <a:schemeClr val="accent1"/>
-            </a:solidFill>
-            <a:ln>
-              <a:noFill/>
-            </a:ln>
-          </p:spPr>
-        </p:sp>
-        <p:sp>
-          <p:nvSpPr>
-            <p:cNvPr id="25" name="Freeform 7">
-              <a:extLst>
-                <a:ext uri="{FF2B5EF4-FFF2-40B4-BE49-F238E27FC236}">
-                  <a16:creationId xmlns:a16="http://schemas.microsoft.com/office/drawing/2014/main" id="{D6B38644-B85D-4211-9526-5B4C2A662BF7}"/>
-                </a:ext>
-                <a:ext uri="{C183D7F6-B498-43B3-948B-1728B52AA6E4}">
-                  <adec:decorative xmlns:adec="http://schemas.microsoft.com/office/drawing/2017/decorative" xmlns="" val="1"/>
-                </a:ext>
-              </a:extLst>
-            </p:cNvPr>
-            <p:cNvSpPr/>
-            <p:nvPr>
-              <p:extLst>
-                <p:ext uri="{386F3935-93C4-4BCD-93E2-E3B085C9AB24}">
-                  <p16:designElem xmlns:p16="http://schemas.microsoft.com/office/powerpoint/2015/main" val="1"/>
-                </p:ext>
-              </p:extLst>
-            </p:nvPr>
-          </p:nvSpPr>
-          <p:spPr bwMode="auto">
-            <a:xfrm>
-              <a:off x="2928938" y="-4763"/>
-              <a:ext cx="1035050" cy="2673350"/>
-            </a:xfrm>
-            <a:custGeom>
-              <a:avLst/>
-              <a:gdLst/>
-              <a:ahLst/>
-              <a:cxnLst/>
-              <a:rect l="0" t="0" r="r" b="b"/>
-              <a:pathLst>
-                <a:path w="652" h="1684">
-                  <a:moveTo>
-                    <a:pt x="225" y="1684"/>
-                  </a:moveTo>
-                  <a:lnTo>
-                    <a:pt x="652" y="0"/>
-                  </a:lnTo>
-                  <a:lnTo>
-                    <a:pt x="411" y="0"/>
-                  </a:lnTo>
-                  <a:lnTo>
-                    <a:pt x="0" y="1627"/>
-                  </a:lnTo>
-                  <a:lnTo>
-                    <a:pt x="219" y="1681"/>
-                  </a:lnTo>
-                  <a:lnTo>
-                    <a:pt x="225" y="1684"/>
-                  </a:lnTo>
-                  <a:close/>
-                </a:path>
-              </a:pathLst>
-            </a:custGeom>
-            <a:solidFill>
-              <a:srgbClr val="595959"/>
-            </a:solidFill>
-            <a:ln>
-              <a:noFill/>
-            </a:ln>
-          </p:spPr>
-        </p:sp>
-        <p:sp>
-          <p:nvSpPr>
-            <p:cNvPr id="26" name="Freeform 12">
-              <a:extLst>
-                <a:ext uri="{FF2B5EF4-FFF2-40B4-BE49-F238E27FC236}">
-                  <a16:creationId xmlns:a16="http://schemas.microsoft.com/office/drawing/2014/main" id="{8A8B2820-6B8F-4C19-BFC5-D28EE44E54CB}"/>
-                </a:ext>
-                <a:ext uri="{C183D7F6-B498-43B3-948B-1728B52AA6E4}">
-                  <adec:decorative xmlns:adec="http://schemas.microsoft.com/office/drawing/2017/decorative" xmlns="" val="1"/>
-                </a:ext>
-              </a:extLst>
-            </p:cNvPr>
-            <p:cNvSpPr/>
-            <p:nvPr>
-              <p:extLst>
-                <p:ext uri="{386F3935-93C4-4BCD-93E2-E3B085C9AB24}">
-                  <p16:designElem xmlns:p16="http://schemas.microsoft.com/office/powerpoint/2015/main" val="1"/>
-                </p:ext>
-              </p:extLst>
-            </p:nvPr>
-          </p:nvSpPr>
-          <p:spPr bwMode="auto">
-            <a:xfrm>
-              <a:off x="2928938" y="2582862"/>
-              <a:ext cx="2693987" cy="4275138"/>
-            </a:xfrm>
-            <a:custGeom>
-              <a:avLst/>
-              <a:gdLst/>
-              <a:ahLst/>
-              <a:cxnLst/>
-              <a:rect l="0" t="0" r="r" b="b"/>
-              <a:pathLst>
-                <a:path w="1697" h="2693">
-                  <a:moveTo>
-                    <a:pt x="0" y="0"/>
-                  </a:moveTo>
-                  <a:lnTo>
-                    <a:pt x="1622" y="2693"/>
-                  </a:lnTo>
-                  <a:lnTo>
-                    <a:pt x="1697" y="2693"/>
-                  </a:lnTo>
-                  <a:lnTo>
-                    <a:pt x="0" y="0"/>
-                  </a:lnTo>
-                  <a:close/>
-                </a:path>
-              </a:pathLst>
-            </a:custGeom>
-            <a:solidFill>
-              <a:srgbClr val="262626"/>
-            </a:solidFill>
-            <a:ln>
-              <a:noFill/>
-            </a:ln>
-          </p:spPr>
-        </p:sp>
-        <p:sp>
-          <p:nvSpPr>
-            <p:cNvPr id="27" name="Freeform 13">
-              <a:extLst>
-                <a:ext uri="{FF2B5EF4-FFF2-40B4-BE49-F238E27FC236}">
-                  <a16:creationId xmlns:a16="http://schemas.microsoft.com/office/drawing/2014/main" id="{773528ED-4D37-4A77-A8CA-86B6221C5E82}"/>
-                </a:ext>
-                <a:ext uri="{C183D7F6-B498-43B3-948B-1728B52AA6E4}">
-                  <adec:decorative xmlns:adec="http://schemas.microsoft.com/office/drawing/2017/decorative" xmlns="" val="1"/>
-                </a:ext>
-              </a:extLst>
-            </p:cNvPr>
-            <p:cNvSpPr/>
-            <p:nvPr>
-              <p:extLst>
-                <p:ext uri="{386F3935-93C4-4BCD-93E2-E3B085C9AB24}">
-                  <p16:designElem xmlns:p16="http://schemas.microsoft.com/office/powerpoint/2015/main" val="1"/>
-                </p:ext>
-              </p:extLst>
-            </p:nvPr>
-          </p:nvSpPr>
-          <p:spPr bwMode="auto">
-            <a:xfrm>
-              <a:off x="3371850" y="2692400"/>
-              <a:ext cx="3332162" cy="4165600"/>
-            </a:xfrm>
-            <a:custGeom>
-              <a:avLst/>
-              <a:gdLst/>
-              <a:ahLst/>
-              <a:cxnLst/>
-              <a:rect l="0" t="0" r="r" b="b"/>
-              <a:pathLst>
-                <a:path w="2099" h="2624">
-                  <a:moveTo>
-                    <a:pt x="2099" y="2624"/>
-                  </a:moveTo>
-                  <a:lnTo>
-                    <a:pt x="0" y="0"/>
-                  </a:lnTo>
-                  <a:lnTo>
-                    <a:pt x="2021" y="2624"/>
-                  </a:lnTo>
-                  <a:lnTo>
-                    <a:pt x="2099" y="2624"/>
-                  </a:lnTo>
-                  <a:close/>
-                </a:path>
-              </a:pathLst>
-            </a:custGeom>
-            <a:solidFill>
-              <a:schemeClr val="accent1">
-                <a:lumMod val="50000"/>
-              </a:schemeClr>
-            </a:solidFill>
-            <a:ln>
-              <a:noFill/>
-            </a:ln>
-          </p:spPr>
-        </p:sp>
-        <p:sp>
-          <p:nvSpPr>
-            <p:cNvPr id="28" name="Freeform 14">
-              <a:extLst>
-                <a:ext uri="{FF2B5EF4-FFF2-40B4-BE49-F238E27FC236}">
-                  <a16:creationId xmlns:a16="http://schemas.microsoft.com/office/drawing/2014/main" id="{8A58A902-E944-4399-9A93-A91A6A82B166}"/>
-                </a:ext>
-                <a:ext uri="{C183D7F6-B498-43B3-948B-1728B52AA6E4}">
-                  <adec:decorative xmlns:adec="http://schemas.microsoft.com/office/drawing/2017/decorative" xmlns="" val="1"/>
-                </a:ext>
-              </a:extLst>
-            </p:cNvPr>
-            <p:cNvSpPr/>
-            <p:nvPr>
-              <p:extLst>
-                <p:ext uri="{386F3935-93C4-4BCD-93E2-E3B085C9AB24}">
-                  <p16:designElem xmlns:p16="http://schemas.microsoft.com/office/powerpoint/2015/main" val="1"/>
-                </p:ext>
-              </p:extLst>
-            </p:nvPr>
-          </p:nvSpPr>
-          <p:spPr bwMode="auto">
-            <a:xfrm>
-              <a:off x="3367088" y="2687637"/>
-              <a:ext cx="4576762" cy="4170363"/>
-            </a:xfrm>
-            <a:custGeom>
-              <a:avLst/>
-              <a:gdLst/>
-              <a:ahLst/>
-              <a:cxnLst/>
-              <a:rect l="0" t="0" r="r" b="b"/>
-              <a:pathLst>
-                <a:path w="2883" h="2627">
-                  <a:moveTo>
-                    <a:pt x="0" y="0"/>
-                  </a:moveTo>
-                  <a:lnTo>
-                    <a:pt x="3" y="3"/>
-                  </a:lnTo>
-                  <a:lnTo>
-                    <a:pt x="2102" y="2627"/>
-                  </a:lnTo>
-                  <a:lnTo>
-                    <a:pt x="2883" y="2627"/>
-                  </a:lnTo>
-                  <a:lnTo>
-                    <a:pt x="225" y="57"/>
-                  </a:lnTo>
-                  <a:lnTo>
-                    <a:pt x="0" y="0"/>
-                  </a:lnTo>
-                  <a:close/>
-                </a:path>
-              </a:pathLst>
-            </a:custGeom>
-            <a:solidFill>
-              <a:schemeClr val="accent1">
-                <a:lumMod val="75000"/>
-              </a:schemeClr>
-            </a:solidFill>
-            <a:ln>
-              <a:noFill/>
-            </a:ln>
-          </p:spPr>
-        </p:sp>
-        <p:sp>
-          <p:nvSpPr>
-            <p:cNvPr id="29" name="Freeform 15">
-              <a:extLst>
-                <a:ext uri="{FF2B5EF4-FFF2-40B4-BE49-F238E27FC236}">
-                  <a16:creationId xmlns:a16="http://schemas.microsoft.com/office/drawing/2014/main" id="{4EDB1155-2E8E-4FB8-AD42-101FE4383231}"/>
-                </a:ext>
-                <a:ext uri="{C183D7F6-B498-43B3-948B-1728B52AA6E4}">
-                  <adec:decorative xmlns:adec="http://schemas.microsoft.com/office/drawing/2017/decorative" xmlns="" val="1"/>
-                </a:ext>
-              </a:extLst>
-            </p:cNvPr>
-            <p:cNvSpPr/>
-            <p:nvPr>
-              <p:extLst>
-                <p:ext uri="{386F3935-93C4-4BCD-93E2-E3B085C9AB24}">
-                  <p16:designElem xmlns:p16="http://schemas.microsoft.com/office/powerpoint/2015/main" val="1"/>
-                </p:ext>
-              </p:extLst>
-            </p:nvPr>
-          </p:nvSpPr>
-          <p:spPr bwMode="auto">
-            <a:xfrm>
-              <a:off x="2928938" y="2578100"/>
-              <a:ext cx="3584575" cy="4279900"/>
-            </a:xfrm>
-            <a:custGeom>
-              <a:avLst/>
-              <a:gdLst/>
-              <a:ahLst/>
-              <a:cxnLst/>
-              <a:rect l="0" t="0" r="r" b="b"/>
-              <a:pathLst>
-                <a:path w="2258" h="2696">
-                  <a:moveTo>
-                    <a:pt x="2258" y="2696"/>
-                  </a:moveTo>
-                  <a:lnTo>
-                    <a:pt x="264" y="111"/>
-                  </a:lnTo>
-                  <a:lnTo>
-                    <a:pt x="228" y="60"/>
-                  </a:lnTo>
-                  <a:lnTo>
-                    <a:pt x="225" y="57"/>
-                  </a:lnTo>
-                  <a:lnTo>
-                    <a:pt x="0" y="0"/>
-                  </a:lnTo>
-                  <a:lnTo>
-                    <a:pt x="0" y="3"/>
-                  </a:lnTo>
-                  <a:lnTo>
-                    <a:pt x="1697" y="2696"/>
-                  </a:lnTo>
-                  <a:lnTo>
-                    <a:pt x="2258" y="2696"/>
-                  </a:lnTo>
-                  <a:close/>
-                </a:path>
-              </a:pathLst>
-            </a:custGeom>
-            <a:solidFill>
-              <a:srgbClr val="404040"/>
-            </a:solidFill>
-            <a:ln>
-              <a:noFill/>
-            </a:ln>
-          </p:spPr>
-        </p:sp>
-      </p:grpSp>
-      <p:sp>
-        <p:nvSpPr>
-          <p:cNvPr id="2" name="Title 1">
-            <a:extLst>
-              <a:ext uri="{FF2B5EF4-FFF2-40B4-BE49-F238E27FC236}">
-                <a16:creationId xmlns:a16="http://schemas.microsoft.com/office/drawing/2014/main" id="{C7492CCE-C435-464E-A19A-D4C606FDBE3D}"/>
-              </a:ext>
-            </a:extLst>
-          </p:cNvPr>
-          <p:cNvSpPr>
-            <a:spLocks noGrp="1"/>
-          </p:cNvSpPr>
-          <p:nvPr>
-            <p:ph type="title"/>
-          </p:nvPr>
-        </p:nvSpPr>
-        <p:spPr>
-          <a:xfrm>
-            <a:off x="359999" y="359999"/>
-            <a:ext cx="7200000" cy="720000"/>
-          </a:xfrm>
-        </p:spPr>
-        <p:txBody>
-          <a:bodyPr>
-            <a:normAutofit/>
-          </a:bodyPr>
-          <a:lstStyle/>
-          <a:p>
-            <a:pPr algn="l"/>
-            <a:r>
-              <a:rPr lang="en-US" dirty="0" smtClean="0"/>
-              <a:t>Additional Things to Mention</a:t>
-            </a:r>
-            <a:endParaRPr lang="en-US" dirty="0"/>
-          </a:p>
-        </p:txBody>
-      </p:sp>
-      <p:sp>
-        <p:nvSpPr>
-          <p:cNvPr id="3" name="Content Placeholder 2">
+      <p:sp>
+        <p:nvSpPr>
+          <p:cNvPr id="14" name="Content Placeholder 2">
             <a:extLst>
               <a:ext uri="{FF2B5EF4-FFF2-40B4-BE49-F238E27FC236}">
                 <a16:creationId xmlns:a16="http://schemas.microsoft.com/office/drawing/2014/main" id="{60DFF4FA-F598-4962-B6AB-31A8BE724E52}"/>
               </a:ext>
             </a:extLst>
           </p:cNvPr>
-          <p:cNvSpPr>
-            <a:spLocks noGrp="1"/>
-          </p:cNvSpPr>
-          <p:nvPr>
-            <p:ph idx="1"/>
-          </p:nvPr>
+          <p:cNvSpPr txBox="1">
+            <a:spLocks/>
+          </p:cNvSpPr>
+          <p:nvPr/>
         </p:nvSpPr>
         <p:spPr>
           <a:xfrm>
             <a:off x="360000" y="1440000"/>
-            <a:ext cx="8386435" cy="4037565"/>
-          </a:xfrm>
-        </p:spPr>
-        <p:txBody>
-          <a:bodyPr anchor="t">
-            <a:normAutofit/>
-          </a:bodyPr>
-          <a:lstStyle/>
-          <a:p>
-            <a:r>
-              <a:rPr lang="en-US" sz="1400" dirty="0" smtClean="0"/>
-              <a:t>Using VBA to iterate through rental records to extrapolate them over time, forecasting rental income allowing for budgeting. </a:t>
-            </a:r>
-          </a:p>
-          <a:p>
-            <a:r>
-              <a:rPr lang="en-US" sz="1400" dirty="0" smtClean="0"/>
-              <a:t>Python script to pull .</a:t>
-            </a:r>
-            <a:r>
-              <a:rPr lang="en-US" sz="1400" dirty="0" err="1" smtClean="0"/>
-              <a:t>json</a:t>
-            </a:r>
-            <a:r>
-              <a:rPr lang="en-US" sz="1400" dirty="0" smtClean="0"/>
-              <a:t> from API, use this data to allow staff to autofill forms from the cloud CRM, VBA to export .pdf, auto-name and save in custom directory on FPS</a:t>
-            </a:r>
-          </a:p>
-          <a:p>
-            <a:r>
-              <a:rPr lang="en-US" sz="1400" dirty="0" smtClean="0"/>
-              <a:t>Use of </a:t>
-            </a:r>
-            <a:r>
-              <a:rPr lang="en-US" sz="1400" dirty="0"/>
-              <a:t>J</a:t>
-            </a:r>
-            <a:r>
-              <a:rPr lang="en-US" sz="1400" dirty="0" smtClean="0"/>
-              <a:t>upyter notebooks to fetch stock exchange data, generate candlestick chart &amp; publish to server. </a:t>
-            </a:r>
-          </a:p>
-          <a:p>
-            <a:r>
-              <a:rPr lang="en-US" sz="1400" dirty="0" smtClean="0"/>
-              <a:t>Use of R/Python to webscrape data using multiple different methods (Selenium, HTTPX, Requests/BeautifulSoup4. Creation of a Pandas dataframe, generation of CSV from said dataframe</a:t>
-            </a:r>
-            <a:r>
-              <a:rPr lang="en-US" sz="1400" dirty="0"/>
-              <a:t> </a:t>
-            </a:r>
-            <a:r>
-              <a:rPr lang="en-US" sz="1400" dirty="0" smtClean="0"/>
-              <a:t>for further analysis. </a:t>
-            </a:r>
-          </a:p>
-          <a:p>
-            <a:r>
-              <a:rPr lang="en-US" sz="1400" dirty="0" smtClean="0"/>
-              <a:t>The use of .</a:t>
-            </a:r>
-            <a:r>
-              <a:rPr lang="en-US" sz="1400" dirty="0" err="1" smtClean="0"/>
-              <a:t>git</a:t>
-            </a:r>
-            <a:r>
-              <a:rPr lang="en-US" sz="1400" dirty="0" smtClean="0"/>
-              <a:t> and GitHub for versioning. </a:t>
-            </a:r>
-            <a:endParaRPr lang="en-US" sz="1400" dirty="0"/>
-          </a:p>
-          <a:p>
-            <a:r>
-              <a:rPr lang="en-US" sz="1400" dirty="0" smtClean="0"/>
-              <a:t>Management of a Microsoft Access database, writing SQL queries. Building database schema which unfortunately got shelved. Working with .xml files to import/exp</a:t>
-            </a:r>
-            <a:r>
-              <a:rPr lang="en-US" sz="1400" dirty="0" smtClean="0"/>
-              <a:t>ort data over http to and from a mobile app. </a:t>
-            </a:r>
-          </a:p>
-          <a:p>
-            <a:r>
-              <a:rPr lang="en-US" sz="1400" dirty="0" smtClean="0"/>
-              <a:t>Multiple complex excel documents, such as ‘Sanitisation Analysis Tool’ which queries multiple data sources to allow management to schedule engineers workload a month ahead. </a:t>
-            </a:r>
-            <a:endParaRPr lang="en-US" sz="1400" dirty="0" smtClean="0"/>
-          </a:p>
-        </p:txBody>
-      </p:sp>
-      <p:pic>
-        <p:nvPicPr>
-          <p:cNvPr id="12" name="Picture 11"/>
-          <p:cNvPicPr>
-            <a:picLocks noChangeAspect="1"/>
-          </p:cNvPicPr>
-          <p:nvPr/>
-        </p:nvPicPr>
-        <p:blipFill>
-          <a:blip r:embed="rId2">
-            <a:extLst>
-              <a:ext uri="{28A0092B-C50C-407E-A947-70E740481C1C}">
-                <a14:useLocalDpi xmlns:a14="http://schemas.microsoft.com/office/drawing/2010/main" val="0"/>
-              </a:ext>
-            </a:extLst>
-          </a:blip>
-          <a:stretch>
-            <a:fillRect/>
-          </a:stretch>
-        </p:blipFill>
-        <p:spPr>
-          <a:xfrm>
-            <a:off x="10705983" y="5670850"/>
-            <a:ext cx="1429798" cy="1187150"/>
+            <a:ext cx="9368594" cy="4117582"/>
           </a:xfrm>
           <a:prstGeom prst="rect">
             <a:avLst/>
           </a:prstGeom>
         </p:spPr>
-      </p:pic>
+        <p:txBody>
+          <a:bodyPr vert="horz" lIns="91440" tIns="45720" rIns="91440" bIns="45720" rtlCol="0" anchor="t">
+            <a:normAutofit/>
+          </a:bodyPr>
+          <a:lstStyle>
+            <a:lvl1pPr marL="285750" indent="-285750" algn="l" defTabSz="457200" rtl="0" eaLnBrk="1" latinLnBrk="0" hangingPunct="1">
+              <a:spcBef>
+                <a:spcPct val="20000"/>
+              </a:spcBef>
+              <a:spcAft>
+                <a:spcPts val="600"/>
+              </a:spcAft>
+              <a:buClr>
+                <a:schemeClr val="accent1">
+                  <a:lumMod val="75000"/>
+                </a:schemeClr>
+              </a:buClr>
+              <a:buSzPct val="145000"/>
+              <a:buFont typeface="Arial"/>
+              <a:buChar char="•"/>
+              <a:defRPr sz="2400" kern="1200" cap="none">
+                <a:solidFill>
+                  <a:schemeClr val="tx1"/>
+                </a:solidFill>
+                <a:effectLst/>
+                <a:latin typeface="+mn-lt"/>
+                <a:ea typeface="+mn-ea"/>
+                <a:cs typeface="+mn-cs"/>
+              </a:defRPr>
+            </a:lvl1pPr>
+            <a:lvl2pPr marL="742950" indent="-285750" algn="l" defTabSz="457200" rtl="0" eaLnBrk="1" latinLnBrk="0" hangingPunct="1">
+              <a:spcBef>
+                <a:spcPct val="20000"/>
+              </a:spcBef>
+              <a:spcAft>
+                <a:spcPts val="600"/>
+              </a:spcAft>
+              <a:buClr>
+                <a:schemeClr val="accent1">
+                  <a:lumMod val="75000"/>
+                </a:schemeClr>
+              </a:buClr>
+              <a:buSzPct val="145000"/>
+              <a:buFont typeface="Arial"/>
+              <a:buChar char="•"/>
+              <a:defRPr sz="2000" kern="1200" cap="none">
+                <a:solidFill>
+                  <a:schemeClr val="tx1"/>
+                </a:solidFill>
+                <a:effectLst/>
+                <a:latin typeface="+mn-lt"/>
+                <a:ea typeface="+mn-ea"/>
+                <a:cs typeface="+mn-cs"/>
+              </a:defRPr>
+            </a:lvl2pPr>
+            <a:lvl3pPr marL="1200150" indent="-285750" algn="l" defTabSz="457200" rtl="0" eaLnBrk="1" latinLnBrk="0" hangingPunct="1">
+              <a:spcBef>
+                <a:spcPct val="20000"/>
+              </a:spcBef>
+              <a:spcAft>
+                <a:spcPts val="600"/>
+              </a:spcAft>
+              <a:buClr>
+                <a:schemeClr val="accent1">
+                  <a:lumMod val="75000"/>
+                </a:schemeClr>
+              </a:buClr>
+              <a:buSzPct val="145000"/>
+              <a:buFont typeface="Arial"/>
+              <a:buChar char="•"/>
+              <a:defRPr sz="1800" kern="1200" cap="none">
+                <a:solidFill>
+                  <a:schemeClr val="tx1"/>
+                </a:solidFill>
+                <a:effectLst/>
+                <a:latin typeface="+mn-lt"/>
+                <a:ea typeface="+mn-ea"/>
+                <a:cs typeface="+mn-cs"/>
+              </a:defRPr>
+            </a:lvl3pPr>
+            <a:lvl4pPr marL="1543050" indent="-171450" algn="l" defTabSz="457200" rtl="0" eaLnBrk="1" latinLnBrk="0" hangingPunct="1">
+              <a:spcBef>
+                <a:spcPct val="20000"/>
+              </a:spcBef>
+              <a:spcAft>
+                <a:spcPts val="600"/>
+              </a:spcAft>
+              <a:buClr>
+                <a:schemeClr val="accent1">
+                  <a:lumMod val="75000"/>
+                </a:schemeClr>
+              </a:buClr>
+              <a:buSzPct val="145000"/>
+              <a:buFont typeface="Arial"/>
+              <a:buChar char="•"/>
+              <a:defRPr sz="1600" kern="1200" cap="none">
+                <a:solidFill>
+                  <a:schemeClr val="tx1"/>
+                </a:solidFill>
+                <a:effectLst/>
+                <a:latin typeface="+mn-lt"/>
+                <a:ea typeface="+mn-ea"/>
+                <a:cs typeface="+mn-cs"/>
+              </a:defRPr>
+            </a:lvl4pPr>
+            <a:lvl5pPr marL="2000250" indent="-171450" algn="l" defTabSz="457200" rtl="0" eaLnBrk="1" latinLnBrk="0" hangingPunct="1">
+              <a:spcBef>
+                <a:spcPct val="20000"/>
+              </a:spcBef>
+              <a:spcAft>
+                <a:spcPts val="600"/>
+              </a:spcAft>
+              <a:buClr>
+                <a:schemeClr val="accent1">
+                  <a:lumMod val="75000"/>
+                </a:schemeClr>
+              </a:buClr>
+              <a:buSzPct val="145000"/>
+              <a:buFont typeface="Arial"/>
+              <a:buChar char="•"/>
+              <a:defRPr sz="1400" kern="1200" cap="none">
+                <a:solidFill>
+                  <a:schemeClr val="tx1"/>
+                </a:solidFill>
+                <a:effectLst/>
+                <a:latin typeface="+mn-lt"/>
+                <a:ea typeface="+mn-ea"/>
+                <a:cs typeface="+mn-cs"/>
+              </a:defRPr>
+            </a:lvl5pPr>
+            <a:lvl6pPr marL="2514600" indent="-228600" algn="l" defTabSz="457200" rtl="0" eaLnBrk="1" latinLnBrk="0" hangingPunct="1">
+              <a:spcBef>
+                <a:spcPct val="20000"/>
+              </a:spcBef>
+              <a:spcAft>
+                <a:spcPts val="600"/>
+              </a:spcAft>
+              <a:buClr>
+                <a:schemeClr val="accent1">
+                  <a:lumMod val="75000"/>
+                </a:schemeClr>
+              </a:buClr>
+              <a:buSzPct val="145000"/>
+              <a:buFont typeface="Arial"/>
+              <a:buChar char="•"/>
+              <a:defRPr sz="1400" kern="1200" cap="none">
+                <a:solidFill>
+                  <a:schemeClr val="tx1"/>
+                </a:solidFill>
+                <a:effectLst/>
+                <a:latin typeface="+mn-lt"/>
+                <a:ea typeface="+mn-ea"/>
+                <a:cs typeface="+mn-cs"/>
+              </a:defRPr>
+            </a:lvl6pPr>
+            <a:lvl7pPr marL="2971800" indent="-228600" algn="l" defTabSz="457200" rtl="0" eaLnBrk="1" latinLnBrk="0" hangingPunct="1">
+              <a:spcBef>
+                <a:spcPct val="20000"/>
+              </a:spcBef>
+              <a:spcAft>
+                <a:spcPts val="600"/>
+              </a:spcAft>
+              <a:buClr>
+                <a:schemeClr val="accent1">
+                  <a:lumMod val="75000"/>
+                </a:schemeClr>
+              </a:buClr>
+              <a:buSzPct val="145000"/>
+              <a:buFont typeface="Arial"/>
+              <a:buChar char="•"/>
+              <a:defRPr sz="1400" kern="1200" cap="none">
+                <a:solidFill>
+                  <a:schemeClr val="tx1"/>
+                </a:solidFill>
+                <a:effectLst/>
+                <a:latin typeface="+mn-lt"/>
+                <a:ea typeface="+mn-ea"/>
+                <a:cs typeface="+mn-cs"/>
+              </a:defRPr>
+            </a:lvl7pPr>
+            <a:lvl8pPr marL="3429000" indent="-228600" algn="l" defTabSz="457200" rtl="0" eaLnBrk="1" latinLnBrk="0" hangingPunct="1">
+              <a:spcBef>
+                <a:spcPct val="20000"/>
+              </a:spcBef>
+              <a:spcAft>
+                <a:spcPts val="600"/>
+              </a:spcAft>
+              <a:buClr>
+                <a:schemeClr val="accent1">
+                  <a:lumMod val="75000"/>
+                </a:schemeClr>
+              </a:buClr>
+              <a:buSzPct val="145000"/>
+              <a:buFont typeface="Arial"/>
+              <a:buChar char="•"/>
+              <a:defRPr sz="1400" kern="1200" cap="none">
+                <a:solidFill>
+                  <a:schemeClr val="tx1"/>
+                </a:solidFill>
+                <a:effectLst/>
+                <a:latin typeface="+mn-lt"/>
+                <a:ea typeface="+mn-ea"/>
+                <a:cs typeface="+mn-cs"/>
+              </a:defRPr>
+            </a:lvl8pPr>
+            <a:lvl9pPr marL="3886200" indent="-228600" algn="l" defTabSz="457200" rtl="0" eaLnBrk="1" latinLnBrk="0" hangingPunct="1">
+              <a:spcBef>
+                <a:spcPct val="20000"/>
+              </a:spcBef>
+              <a:spcAft>
+                <a:spcPts val="600"/>
+              </a:spcAft>
+              <a:buClr>
+                <a:schemeClr val="accent1">
+                  <a:lumMod val="75000"/>
+                </a:schemeClr>
+              </a:buClr>
+              <a:buSzPct val="145000"/>
+              <a:buFont typeface="Arial"/>
+              <a:buChar char="•"/>
+              <a:defRPr sz="1400" kern="1200" cap="none">
+                <a:solidFill>
+                  <a:schemeClr val="tx1"/>
+                </a:solidFill>
+                <a:effectLst/>
+                <a:latin typeface="+mn-lt"/>
+                <a:ea typeface="+mn-ea"/>
+                <a:cs typeface="+mn-cs"/>
+              </a:defRPr>
+            </a:lvl9pPr>
+          </a:lstStyle>
+          <a:p>
+            <a:r>
+              <a:rPr lang="en-US" sz="1800" dirty="0" smtClean="0"/>
+              <a:t>Developed a solid understanding of project workflow cycle from planning to design, development, testing, deployment and review</a:t>
+            </a:r>
+          </a:p>
+          <a:p>
+            <a:r>
+              <a:rPr lang="en-US" sz="1800" dirty="0" smtClean="0"/>
+              <a:t>Honed a series of technical skills</a:t>
+            </a:r>
+          </a:p>
+          <a:p>
+            <a:r>
+              <a:rPr lang="en-US" sz="1800" dirty="0" smtClean="0"/>
+              <a:t>Gained a deeper understanding of my learning process and capabilities</a:t>
+            </a:r>
+          </a:p>
+          <a:p>
+            <a:r>
+              <a:rPr lang="en-US" sz="1800" dirty="0" smtClean="0"/>
+              <a:t>Constant workflow cycle therefore gained an understanding of the evolution of processes</a:t>
+            </a:r>
+          </a:p>
+          <a:p>
+            <a:endParaRPr lang="en-US" sz="1800" dirty="0" smtClean="0"/>
+          </a:p>
+          <a:p>
+            <a:endParaRPr lang="en-US" sz="1800" dirty="0" smtClean="0"/>
+          </a:p>
+          <a:p>
+            <a:endParaRPr lang="en-US" sz="1800" dirty="0"/>
+          </a:p>
+        </p:txBody>
+      </p:sp>
     </p:spTree>
     <p:extLst>
       <p:ext uri="{BB962C8B-B14F-4D97-AF65-F5344CB8AC3E}">
-        <p14:creationId xmlns:p14="http://schemas.microsoft.com/office/powerpoint/2010/main" val="2551020933"/>
+        <p14:creationId xmlns:p14="http://schemas.microsoft.com/office/powerpoint/2010/main" val="1684457229"/>
       </p:ext>
     </p:extLst>
   </p:cSld>
@@ -10862,23 +10503,6 @@
 </file>
 
 <file path=customXml/item1.xml><?xml version="1.0" encoding="utf-8"?>
-<p:properties xmlns:p="http://schemas.microsoft.com/office/2006/metadata/properties" xmlns:xsi="http://www.w3.org/2001/XMLSchema-instance" xmlns:pc="http://schemas.microsoft.com/office/infopath/2007/PartnerControls">
-  <documentManagement>
-    <MediaServiceKeyPoints xmlns="71af3243-3dd4-4a8d-8c0d-dd76da1f02a5" xsi:nil="true"/>
-  </documentManagement>
-</p:properties>
-</file>
-
-<file path=customXml/item2.xml><?xml version="1.0" encoding="utf-8"?>
-<?mso-contentType ?>
-<FormTemplates xmlns="http://schemas.microsoft.com/sharepoint/v3/contenttype/forms">
-  <Display>DocumentLibraryForm</Display>
-  <Edit>DocumentLibraryForm</Edit>
-  <New>DocumentLibraryForm</New>
-</FormTemplates>
-</file>
-
-<file path=customXml/item3.xml><?xml version="1.0" encoding="utf-8"?>
 <ct:contentTypeSchema xmlns:ct="http://schemas.microsoft.com/office/2006/metadata/contentType" xmlns:ma="http://schemas.microsoft.com/office/2006/metadata/properties/metaAttributes" ct:_="" ma:_="" ma:contentTypeName="Document" ma:contentTypeID="0x01010079F111ED35F8CC479449609E8A0923A6" ma:contentTypeVersion="11" ma:contentTypeDescription="Create a new document." ma:contentTypeScope="" ma:versionID="9677210f24a1be23c92c90fd886aa0aa">
   <xsd:schema xmlns:xsd="http://www.w3.org/2001/XMLSchema" xmlns:xs="http://www.w3.org/2001/XMLSchema" xmlns:p="http://schemas.microsoft.com/office/2006/metadata/properties" xmlns:ns2="71af3243-3dd4-4a8d-8c0d-dd76da1f02a5" xmlns:ns3="16c05727-aa75-4e4a-9b5f-8a80a1165891" targetNamespace="http://schemas.microsoft.com/office/2006/metadata/properties" ma:root="true" ma:fieldsID="60e05723c5c1908df1a1a4ebf11d344e" ns2:_="" ns3:_="">
     <xsd:import namespace="71af3243-3dd4-4a8d-8c0d-dd76da1f02a5"/>
@@ -11089,32 +10713,24 @@
 </ct:contentTypeSchema>
 </file>
 
-<file path=customXml/itemProps1.xml><?xml version="1.0" encoding="utf-8"?>
-<ds:datastoreItem xmlns:ds="http://schemas.openxmlformats.org/officeDocument/2006/customXml" ds:itemID="{D7023227-530E-4024-91EF-312A851A758C}">
-  <ds:schemaRefs>
-    <ds:schemaRef ds:uri="16c05727-aa75-4e4a-9b5f-8a80a1165891"/>
-    <ds:schemaRef ds:uri="http://schemas.microsoft.com/office/2006/metadata/properties"/>
-    <ds:schemaRef ds:uri="http://purl.org/dc/elements/1.1/"/>
-    <ds:schemaRef ds:uri="http://www.w3.org/XML/1998/namespace"/>
-    <ds:schemaRef ds:uri="http://purl.org/dc/dcmitype/"/>
-    <ds:schemaRef ds:uri="http://schemas.microsoft.com/office/2006/documentManagement/types"/>
-    <ds:schemaRef ds:uri="71af3243-3dd4-4a8d-8c0d-dd76da1f02a5"/>
-    <ds:schemaRef ds:uri="http://schemas.microsoft.com/office/infopath/2007/PartnerControls"/>
-    <ds:schemaRef ds:uri="http://schemas.openxmlformats.org/package/2006/metadata/core-properties"/>
-    <ds:schemaRef ds:uri="http://purl.org/dc/terms/"/>
-  </ds:schemaRefs>
-</ds:datastoreItem>
+<file path=customXml/item2.xml><?xml version="1.0" encoding="utf-8"?>
+<?mso-contentType ?>
+<FormTemplates xmlns="http://schemas.microsoft.com/sharepoint/v3/contenttype/forms">
+  <Display>DocumentLibraryForm</Display>
+  <Edit>DocumentLibraryForm</Edit>
+  <New>DocumentLibraryForm</New>
+</FormTemplates>
 </file>
 
-<file path=customXml/itemProps2.xml><?xml version="1.0" encoding="utf-8"?>
-<ds:datastoreItem xmlns:ds="http://schemas.openxmlformats.org/officeDocument/2006/customXml" ds:itemID="{33315AA3-EAE3-44ED-8368-BAC2FFFB4817}">
-  <ds:schemaRefs>
-    <ds:schemaRef ds:uri="http://schemas.microsoft.com/sharepoint/v3/contenttype/forms"/>
-  </ds:schemaRefs>
-</ds:datastoreItem>
+<file path=customXml/item3.xml><?xml version="1.0" encoding="utf-8"?>
+<p:properties xmlns:p="http://schemas.microsoft.com/office/2006/metadata/properties" xmlns:xsi="http://www.w3.org/2001/XMLSchema-instance" xmlns:pc="http://schemas.microsoft.com/office/infopath/2007/PartnerControls">
+  <documentManagement>
+    <MediaServiceKeyPoints xmlns="71af3243-3dd4-4a8d-8c0d-dd76da1f02a5" xsi:nil="true"/>
+  </documentManagement>
+</p:properties>
 </file>
 
-<file path=customXml/itemProps3.xml><?xml version="1.0" encoding="utf-8"?>
+<file path=customXml/itemProps1.xml><?xml version="1.0" encoding="utf-8"?>
 <ds:datastoreItem xmlns:ds="http://schemas.openxmlformats.org/officeDocument/2006/customXml" ds:itemID="{627C19A7-3107-4CB2-BD0D-F7C79BE028CC}">
   <ds:schemaRefs>
     <ds:schemaRef ds:uri="http://schemas.microsoft.com/office/2006/metadata/contentType"/>
@@ -11131,4 +10747,29 @@
     <ds:schemaRef ds:uri="http://schemas.microsoft.com/internal/obd"/>
   </ds:schemaRefs>
 </ds:datastoreItem>
+</file>
+
+<file path=customXml/itemProps2.xml><?xml version="1.0" encoding="utf-8"?>
+<ds:datastoreItem xmlns:ds="http://schemas.openxmlformats.org/officeDocument/2006/customXml" ds:itemID="{33315AA3-EAE3-44ED-8368-BAC2FFFB4817}">
+  <ds:schemaRefs>
+    <ds:schemaRef ds:uri="http://schemas.microsoft.com/sharepoint/v3/contenttype/forms"/>
+  </ds:schemaRefs>
+</ds:datastoreItem>
+</file>
+
+<file path=customXml/itemProps3.xml><?xml version="1.0" encoding="utf-8"?>
+<ds:datastoreItem xmlns:ds="http://schemas.openxmlformats.org/officeDocument/2006/customXml" ds:itemID="{D7023227-530E-4024-91EF-312A851A758C}">
+  <ds:schemaRefs>
+    <ds:schemaRef ds:uri="http://www.w3.org/XML/1998/namespace"/>
+    <ds:schemaRef ds:uri="http://purl.org/dc/dcmitype/"/>
+    <ds:schemaRef ds:uri="http://schemas.microsoft.com/office/infopath/2007/PartnerControls"/>
+    <ds:schemaRef ds:uri="http://schemas.microsoft.com/office/2006/metadata/properties"/>
+    <ds:schemaRef ds:uri="http://schemas.microsoft.com/office/2006/documentManagement/types"/>
+    <ds:schemaRef ds:uri="http://purl.org/dc/terms/"/>
+    <ds:schemaRef ds:uri="http://purl.org/dc/elements/1.1/"/>
+    <ds:schemaRef ds:uri="http://schemas.openxmlformats.org/package/2006/metadata/core-properties"/>
+    <ds:schemaRef ds:uri="16c05727-aa75-4e4a-9b5f-8a80a1165891"/>
+    <ds:schemaRef ds:uri="71af3243-3dd4-4a8d-8c0d-dd76da1f02a5"/>
+  </ds:schemaRefs>
+</ds:datastoreItem>
 </file>